--- a/Backend/Modul 5.pptx
+++ b/Backend/Modul 5.pptx
@@ -6,7 +6,7 @@
     <p:sldMasterId id="2147483672" r:id="rId2"/>
   </p:sldMasterIdLst>
   <p:notesMasterIdLst>
-    <p:notesMasterId r:id="rId11"/>
+    <p:notesMasterId r:id="rId13"/>
   </p:notesMasterIdLst>
   <p:sldIdLst>
     <p:sldId id="256" r:id="rId3"/>
@@ -14,26 +14,28 @@
     <p:sldId id="258" r:id="rId5"/>
     <p:sldId id="262" r:id="rId6"/>
     <p:sldId id="263" r:id="rId7"/>
-    <p:sldId id="264" r:id="rId8"/>
-    <p:sldId id="265" r:id="rId9"/>
-    <p:sldId id="266" r:id="rId10"/>
+    <p:sldId id="267" r:id="rId8"/>
+    <p:sldId id="268" r:id="rId9"/>
+    <p:sldId id="269" r:id="rId10"/>
+    <p:sldId id="270" r:id="rId11"/>
+    <p:sldId id="271" r:id="rId12"/>
   </p:sldIdLst>
   <p:sldSz cx="9144000" cy="5143500" type="screen16x9"/>
   <p:notesSz cx="6858000" cy="9144000"/>
   <p:embeddedFontLst>
     <p:embeddedFont>
       <p:font typeface="Calibri" panose="020F0502020204030204" pitchFamily="34" charset="0"/>
-      <p:regular r:id="rId12"/>
-      <p:bold r:id="rId13"/>
-      <p:italic r:id="rId14"/>
-      <p:boldItalic r:id="rId15"/>
+      <p:regular r:id="rId14"/>
+      <p:bold r:id="rId15"/>
+      <p:italic r:id="rId16"/>
+      <p:boldItalic r:id="rId17"/>
     </p:embeddedFont>
     <p:embeddedFont>
       <p:font typeface="Montserrat Medium" panose="020B0604020202020204" charset="0"/>
-      <p:regular r:id="rId16"/>
-      <p:bold r:id="rId17"/>
-      <p:italic r:id="rId18"/>
-      <p:boldItalic r:id="rId19"/>
+      <p:regular r:id="rId18"/>
+      <p:bold r:id="rId19"/>
+      <p:italic r:id="rId20"/>
+      <p:boldItalic r:id="rId21"/>
     </p:embeddedFont>
   </p:embeddedFontLst>
   <p:defaultTextStyle>
@@ -1353,6 +1355,333 @@
     <p:extLst>
       <p:ext uri="{BB962C8B-B14F-4D97-AF65-F5344CB8AC3E}">
         <p14:creationId xmlns:p14="http://schemas.microsoft.com/office/powerpoint/2010/main" val="78759877"/>
+      </p:ext>
+    </p:extLst>
+  </p:cSld>
+  <p:clrMapOvr>
+    <a:masterClrMapping/>
+  </p:clrMapOvr>
+</p:notes>
+</file>
+
+<file path=ppt/notesSlides/notesSlide5.xml><?xml version="1.0" encoding="utf-8"?>
+<p:notes xmlns:a="http://schemas.openxmlformats.org/drawingml/2006/main" xmlns:r="http://schemas.openxmlformats.org/officeDocument/2006/relationships" xmlns:p="http://schemas.openxmlformats.org/presentationml/2006/main" showMasterSp="0" showMasterPhAnim="0">
+  <p:cSld>
+    <p:spTree>
+      <p:nvGrpSpPr>
+        <p:cNvPr id="1" name="Shape 142"/>
+        <p:cNvGrpSpPr/>
+        <p:nvPr/>
+      </p:nvGrpSpPr>
+      <p:grpSpPr>
+        <a:xfrm>
+          <a:off x="0" y="0"/>
+          <a:ext cx="0" cy="0"/>
+          <a:chOff x="0" y="0"/>
+          <a:chExt cx="0" cy="0"/>
+        </a:xfrm>
+      </p:grpSpPr>
+      <p:sp>
+        <p:nvSpPr>
+          <p:cNvPr id="143" name="Google Shape;143;gb89b2c8912_0_247:notes"/>
+          <p:cNvSpPr txBox="1">
+            <a:spLocks noGrp="1"/>
+          </p:cNvSpPr>
+          <p:nvPr>
+            <p:ph type="body" idx="1"/>
+          </p:nvPr>
+        </p:nvSpPr>
+        <p:spPr>
+          <a:xfrm>
+            <a:off x="685800" y="4400550"/>
+            <a:ext cx="5486400" cy="3600600"/>
+          </a:xfrm>
+          <a:prstGeom prst="rect">
+            <a:avLst/>
+          </a:prstGeom>
+        </p:spPr>
+        <p:txBody>
+          <a:bodyPr spcFirstLastPara="1" wrap="square" lIns="91425" tIns="91425" rIns="91425" bIns="91425" anchor="t" anchorCtr="0">
+            <a:noAutofit/>
+          </a:bodyPr>
+          <a:lstStyle/>
+          <a:p>
+            <a:pPr marL="0" lvl="0" indent="0" algn="l" rtl="0">
+              <a:spcBef>
+                <a:spcPts val="0"/>
+              </a:spcBef>
+              <a:spcAft>
+                <a:spcPts val="0"/>
+              </a:spcAft>
+              <a:buNone/>
+            </a:pPr>
+            <a:endParaRPr/>
+          </a:p>
+        </p:txBody>
+      </p:sp>
+      <p:sp>
+        <p:nvSpPr>
+          <p:cNvPr id="144" name="Google Shape;144;gb89b2c8912_0_247:notes"/>
+          <p:cNvSpPr>
+            <a:spLocks noGrp="1" noRot="1" noChangeAspect="1"/>
+          </p:cNvSpPr>
+          <p:nvPr>
+            <p:ph type="sldImg" idx="2"/>
+          </p:nvPr>
+        </p:nvSpPr>
+        <p:spPr>
+          <a:xfrm>
+            <a:off x="685800" y="1143000"/>
+            <a:ext cx="5486400" cy="3086100"/>
+          </a:xfrm>
+          <a:custGeom>
+            <a:avLst/>
+            <a:gdLst/>
+            <a:ahLst/>
+            <a:cxnLst/>
+            <a:rect l="l" t="t" r="r" b="b"/>
+            <a:pathLst>
+              <a:path w="120000" h="120000" extrusionOk="0">
+                <a:moveTo>
+                  <a:pt x="0" y="0"/>
+                </a:moveTo>
+                <a:lnTo>
+                  <a:pt x="120000" y="0"/>
+                </a:lnTo>
+                <a:lnTo>
+                  <a:pt x="120000" y="120000"/>
+                </a:lnTo>
+                <a:lnTo>
+                  <a:pt x="0" y="120000"/>
+                </a:lnTo>
+                <a:close/>
+              </a:path>
+            </a:pathLst>
+          </a:custGeom>
+        </p:spPr>
+      </p:sp>
+    </p:spTree>
+    <p:extLst>
+      <p:ext uri="{BB962C8B-B14F-4D97-AF65-F5344CB8AC3E}">
+        <p14:creationId xmlns:p14="http://schemas.microsoft.com/office/powerpoint/2010/main" val="1274014824"/>
+      </p:ext>
+    </p:extLst>
+  </p:cSld>
+  <p:clrMapOvr>
+    <a:masterClrMapping/>
+  </p:clrMapOvr>
+</p:notes>
+</file>
+
+<file path=ppt/notesSlides/notesSlide6.xml><?xml version="1.0" encoding="utf-8"?>
+<p:notes xmlns:a="http://schemas.openxmlformats.org/drawingml/2006/main" xmlns:r="http://schemas.openxmlformats.org/officeDocument/2006/relationships" xmlns:p="http://schemas.openxmlformats.org/presentationml/2006/main" showMasterSp="0" showMasterPhAnim="0">
+  <p:cSld>
+    <p:spTree>
+      <p:nvGrpSpPr>
+        <p:cNvPr id="1" name="Shape 142"/>
+        <p:cNvGrpSpPr/>
+        <p:nvPr/>
+      </p:nvGrpSpPr>
+      <p:grpSpPr>
+        <a:xfrm>
+          <a:off x="0" y="0"/>
+          <a:ext cx="0" cy="0"/>
+          <a:chOff x="0" y="0"/>
+          <a:chExt cx="0" cy="0"/>
+        </a:xfrm>
+      </p:grpSpPr>
+      <p:sp>
+        <p:nvSpPr>
+          <p:cNvPr id="143" name="Google Shape;143;gb89b2c8912_0_247:notes"/>
+          <p:cNvSpPr txBox="1">
+            <a:spLocks noGrp="1"/>
+          </p:cNvSpPr>
+          <p:nvPr>
+            <p:ph type="body" idx="1"/>
+          </p:nvPr>
+        </p:nvSpPr>
+        <p:spPr>
+          <a:xfrm>
+            <a:off x="685800" y="4400550"/>
+            <a:ext cx="5486400" cy="3600600"/>
+          </a:xfrm>
+          <a:prstGeom prst="rect">
+            <a:avLst/>
+          </a:prstGeom>
+        </p:spPr>
+        <p:txBody>
+          <a:bodyPr spcFirstLastPara="1" wrap="square" lIns="91425" tIns="91425" rIns="91425" bIns="91425" anchor="t" anchorCtr="0">
+            <a:noAutofit/>
+          </a:bodyPr>
+          <a:lstStyle/>
+          <a:p>
+            <a:pPr marL="0" lvl="0" indent="0" algn="l" rtl="0">
+              <a:spcBef>
+                <a:spcPts val="0"/>
+              </a:spcBef>
+              <a:spcAft>
+                <a:spcPts val="0"/>
+              </a:spcAft>
+              <a:buNone/>
+            </a:pPr>
+            <a:endParaRPr/>
+          </a:p>
+        </p:txBody>
+      </p:sp>
+      <p:sp>
+        <p:nvSpPr>
+          <p:cNvPr id="144" name="Google Shape;144;gb89b2c8912_0_247:notes"/>
+          <p:cNvSpPr>
+            <a:spLocks noGrp="1" noRot="1" noChangeAspect="1"/>
+          </p:cNvSpPr>
+          <p:nvPr>
+            <p:ph type="sldImg" idx="2"/>
+          </p:nvPr>
+        </p:nvSpPr>
+        <p:spPr>
+          <a:xfrm>
+            <a:off x="685800" y="1143000"/>
+            <a:ext cx="5486400" cy="3086100"/>
+          </a:xfrm>
+          <a:custGeom>
+            <a:avLst/>
+            <a:gdLst/>
+            <a:ahLst/>
+            <a:cxnLst/>
+            <a:rect l="l" t="t" r="r" b="b"/>
+            <a:pathLst>
+              <a:path w="120000" h="120000" extrusionOk="0">
+                <a:moveTo>
+                  <a:pt x="0" y="0"/>
+                </a:moveTo>
+                <a:lnTo>
+                  <a:pt x="120000" y="0"/>
+                </a:lnTo>
+                <a:lnTo>
+                  <a:pt x="120000" y="120000"/>
+                </a:lnTo>
+                <a:lnTo>
+                  <a:pt x="0" y="120000"/>
+                </a:lnTo>
+                <a:close/>
+              </a:path>
+            </a:pathLst>
+          </a:custGeom>
+        </p:spPr>
+      </p:sp>
+    </p:spTree>
+    <p:extLst>
+      <p:ext uri="{BB962C8B-B14F-4D97-AF65-F5344CB8AC3E}">
+        <p14:creationId xmlns:p14="http://schemas.microsoft.com/office/powerpoint/2010/main" val="2893851054"/>
+      </p:ext>
+    </p:extLst>
+  </p:cSld>
+  <p:clrMapOvr>
+    <a:masterClrMapping/>
+  </p:clrMapOvr>
+</p:notes>
+</file>
+
+<file path=ppt/notesSlides/notesSlide7.xml><?xml version="1.0" encoding="utf-8"?>
+<p:notes xmlns:a="http://schemas.openxmlformats.org/drawingml/2006/main" xmlns:r="http://schemas.openxmlformats.org/officeDocument/2006/relationships" xmlns:p="http://schemas.openxmlformats.org/presentationml/2006/main" showMasterSp="0" showMasterPhAnim="0">
+  <p:cSld>
+    <p:spTree>
+      <p:nvGrpSpPr>
+        <p:cNvPr id="1" name="Shape 142"/>
+        <p:cNvGrpSpPr/>
+        <p:nvPr/>
+      </p:nvGrpSpPr>
+      <p:grpSpPr>
+        <a:xfrm>
+          <a:off x="0" y="0"/>
+          <a:ext cx="0" cy="0"/>
+          <a:chOff x="0" y="0"/>
+          <a:chExt cx="0" cy="0"/>
+        </a:xfrm>
+      </p:grpSpPr>
+      <p:sp>
+        <p:nvSpPr>
+          <p:cNvPr id="143" name="Google Shape;143;gb89b2c8912_0_247:notes"/>
+          <p:cNvSpPr txBox="1">
+            <a:spLocks noGrp="1"/>
+          </p:cNvSpPr>
+          <p:nvPr>
+            <p:ph type="body" idx="1"/>
+          </p:nvPr>
+        </p:nvSpPr>
+        <p:spPr>
+          <a:xfrm>
+            <a:off x="685800" y="4400550"/>
+            <a:ext cx="5486400" cy="3600600"/>
+          </a:xfrm>
+          <a:prstGeom prst="rect">
+            <a:avLst/>
+          </a:prstGeom>
+        </p:spPr>
+        <p:txBody>
+          <a:bodyPr spcFirstLastPara="1" wrap="square" lIns="91425" tIns="91425" rIns="91425" bIns="91425" anchor="t" anchorCtr="0">
+            <a:noAutofit/>
+          </a:bodyPr>
+          <a:lstStyle/>
+          <a:p>
+            <a:pPr marL="0" lvl="0" indent="0" algn="l" rtl="0">
+              <a:spcBef>
+                <a:spcPts val="0"/>
+              </a:spcBef>
+              <a:spcAft>
+                <a:spcPts val="0"/>
+              </a:spcAft>
+              <a:buNone/>
+            </a:pPr>
+            <a:endParaRPr/>
+          </a:p>
+        </p:txBody>
+      </p:sp>
+      <p:sp>
+        <p:nvSpPr>
+          <p:cNvPr id="144" name="Google Shape;144;gb89b2c8912_0_247:notes"/>
+          <p:cNvSpPr>
+            <a:spLocks noGrp="1" noRot="1" noChangeAspect="1"/>
+          </p:cNvSpPr>
+          <p:nvPr>
+            <p:ph type="sldImg" idx="2"/>
+          </p:nvPr>
+        </p:nvSpPr>
+        <p:spPr>
+          <a:xfrm>
+            <a:off x="685800" y="1143000"/>
+            <a:ext cx="5486400" cy="3086100"/>
+          </a:xfrm>
+          <a:custGeom>
+            <a:avLst/>
+            <a:gdLst/>
+            <a:ahLst/>
+            <a:cxnLst/>
+            <a:rect l="l" t="t" r="r" b="b"/>
+            <a:pathLst>
+              <a:path w="120000" h="120000" extrusionOk="0">
+                <a:moveTo>
+                  <a:pt x="0" y="0"/>
+                </a:moveTo>
+                <a:lnTo>
+                  <a:pt x="120000" y="0"/>
+                </a:lnTo>
+                <a:lnTo>
+                  <a:pt x="120000" y="120000"/>
+                </a:lnTo>
+                <a:lnTo>
+                  <a:pt x="0" y="120000"/>
+                </a:lnTo>
+                <a:close/>
+              </a:path>
+            </a:pathLst>
+          </a:custGeom>
+        </p:spPr>
+      </p:sp>
+    </p:spTree>
+    <p:extLst>
+      <p:ext uri="{BB962C8B-B14F-4D97-AF65-F5344CB8AC3E}">
+        <p14:creationId xmlns:p14="http://schemas.microsoft.com/office/powerpoint/2010/main" val="2769837508"/>
       </p:ext>
     </p:extLst>
   </p:cSld>
@@ -19829,7 +20158,7 @@
                   <a:schemeClr val="lt1"/>
                 </a:solidFill>
               </a:rPr>
-              <a:t>4</a:t>
+              <a:t>5</a:t>
             </a:r>
             <a:endParaRPr sz="1100" dirty="0">
               <a:solidFill>
@@ -19871,6 +20200,122 @@
         </p:spPr>
       </p:pic>
     </p:spTree>
+  </p:cSld>
+  <p:clrMapOvr>
+    <a:masterClrMapping/>
+  </p:clrMapOvr>
+  <p:timing>
+    <p:tnLst>
+      <p:par>
+        <p:cTn id="1" dur="indefinite" restart="never" nodeType="tmRoot"/>
+      </p:par>
+    </p:tnLst>
+  </p:timing>
+</p:sld>
+</file>
+
+<file path=ppt/slides/slide10.xml><?xml version="1.0" encoding="utf-8"?>
+<p:sld xmlns:a="http://schemas.openxmlformats.org/drawingml/2006/main" xmlns:r="http://schemas.openxmlformats.org/officeDocument/2006/relationships" xmlns:p="http://schemas.openxmlformats.org/presentationml/2006/main">
+  <p:cSld>
+    <p:spTree>
+      <p:nvGrpSpPr>
+        <p:cNvPr id="1" name="Shape 145"/>
+        <p:cNvGrpSpPr/>
+        <p:nvPr/>
+      </p:nvGrpSpPr>
+      <p:grpSpPr>
+        <a:xfrm>
+          <a:off x="0" y="0"/>
+          <a:ext cx="0" cy="0"/>
+          <a:chOff x="0" y="0"/>
+          <a:chExt cx="0" cy="0"/>
+        </a:xfrm>
+      </p:grpSpPr>
+      <p:sp>
+        <p:nvSpPr>
+          <p:cNvPr id="146" name="Google Shape;146;p28"/>
+          <p:cNvSpPr txBox="1"/>
+          <p:nvPr/>
+        </p:nvSpPr>
+        <p:spPr>
+          <a:xfrm>
+            <a:off x="371179" y="2190319"/>
+            <a:ext cx="8702483" cy="438600"/>
+          </a:xfrm>
+          <a:prstGeom prst="rect">
+            <a:avLst/>
+          </a:prstGeom>
+          <a:noFill/>
+          <a:ln>
+            <a:noFill/>
+          </a:ln>
+        </p:spPr>
+        <p:txBody>
+          <a:bodyPr spcFirstLastPara="1" wrap="square" lIns="68575" tIns="34275" rIns="68575" bIns="34275" anchor="t" anchorCtr="0">
+            <a:noAutofit/>
+          </a:bodyPr>
+          <a:lstStyle/>
+          <a:p>
+            <a:pPr lvl="0"/>
+            <a:r>
+              <a:rPr lang="en-US" sz="2400" i="1" dirty="0" err="1" smtClean="0">
+                <a:solidFill>
+                  <a:schemeClr val="lt1"/>
+                </a:solidFill>
+              </a:rPr>
+              <a:t>async</a:t>
+            </a:r>
+            <a:r>
+              <a:rPr lang="en-US" sz="2400" i="1" dirty="0" smtClean="0">
+                <a:solidFill>
+                  <a:schemeClr val="lt1"/>
+                </a:solidFill>
+              </a:rPr>
+              <a:t>/await </a:t>
+            </a:r>
+            <a:r>
+              <a:rPr lang="en-US" sz="2400" dirty="0">
+                <a:solidFill>
+                  <a:schemeClr val="lt1"/>
+                </a:solidFill>
+              </a:rPr>
+              <a:t>di JavaScript</a:t>
+            </a:r>
+          </a:p>
+        </p:txBody>
+      </p:sp>
+      <p:cxnSp>
+        <p:nvCxnSpPr>
+          <p:cNvPr id="147" name="Google Shape;147;p28"/>
+          <p:cNvCxnSpPr/>
+          <p:nvPr/>
+        </p:nvCxnSpPr>
+        <p:spPr>
+          <a:xfrm>
+            <a:off x="457200" y="2628900"/>
+            <a:ext cx="8686800" cy="0"/>
+          </a:xfrm>
+          <a:prstGeom prst="straightConnector1">
+            <a:avLst/>
+          </a:prstGeom>
+          <a:noFill/>
+          <a:ln w="9525" cap="flat" cmpd="sng">
+            <a:solidFill>
+              <a:srgbClr val="FFFF00"/>
+            </a:solidFill>
+            <a:prstDash val="solid"/>
+            <a:miter lim="800000"/>
+            <a:headEnd type="none" w="sm" len="sm"/>
+            <a:tailEnd type="none" w="sm" len="sm"/>
+          </a:ln>
+        </p:spPr>
+      </p:cxnSp>
+    </p:spTree>
+    <p:extLst>
+      <p:ext uri="{BB962C8B-B14F-4D97-AF65-F5344CB8AC3E}">
+        <p14:creationId xmlns:p14="http://schemas.microsoft.com/office/powerpoint/2010/main" val="3057723590"/>
+      </p:ext>
+    </p:extLst>
   </p:cSld>
   <p:clrMapOvr>
     <a:masterClrMapping/>
@@ -19975,16 +20420,10 @@
           </a:bodyPr>
           <a:lstStyle/>
           <a:p>
-            <a:pPr marL="431800" marR="0" lvl="0" indent="-342900" algn="l" rtl="0">
+            <a:pPr marL="431800" lvl="0" indent="-342900">
               <a:lnSpc>
                 <a:spcPct val="250000"/>
               </a:lnSpc>
-              <a:spcBef>
-                <a:spcPts val="0"/>
-              </a:spcBef>
-              <a:spcAft>
-                <a:spcPts val="0"/>
-              </a:spcAft>
               <a:buClr>
                 <a:schemeClr val="lt1"/>
               </a:buClr>
@@ -19993,7 +20432,7 @@
               <a:buAutoNum type="alphaUcPeriod"/>
             </a:pPr>
             <a:r>
-              <a:rPr lang="en-US" sz="1400" i="1" dirty="0" smtClean="0">
+              <a:rPr lang="en-US" i="1" dirty="0" err="1">
                 <a:solidFill>
                   <a:schemeClr val="lt1"/>
                 </a:solidFill>
@@ -20002,29 +20441,50 @@
                 <a:cs typeface="Montserrat Medium"/>
                 <a:sym typeface="Montserrat Medium"/>
               </a:rPr>
-              <a:t>Functional Programming</a:t>
-            </a:r>
-            <a:endParaRPr lang="en-US" sz="1400" i="1" dirty="0" smtClean="0">
-              <a:solidFill>
-                <a:schemeClr val="lt1"/>
-              </a:solidFill>
-              <a:latin typeface="Montserrat Medium"/>
-              <a:ea typeface="Montserrat Medium"/>
-              <a:cs typeface="Montserrat Medium"/>
-              <a:sym typeface="Montserrat Medium"/>
-            </a:endParaRPr>
+              <a:t>Pengertian</a:t>
+            </a:r>
+            <a:r>
+              <a:rPr lang="en-US" i="1" dirty="0">
+                <a:solidFill>
+                  <a:schemeClr val="lt1"/>
+                </a:solidFill>
+                <a:latin typeface="Montserrat Medium"/>
+                <a:ea typeface="Montserrat Medium"/>
+                <a:cs typeface="Montserrat Medium"/>
+                <a:sym typeface="Montserrat Medium"/>
+              </a:rPr>
+              <a:t> asynchronous </a:t>
+            </a:r>
+            <a:r>
+              <a:rPr lang="en-US" i="1" dirty="0" smtClean="0">
+                <a:solidFill>
+                  <a:schemeClr val="lt1"/>
+                </a:solidFill>
+                <a:latin typeface="Montserrat Medium"/>
+                <a:ea typeface="Montserrat Medium"/>
+                <a:cs typeface="Montserrat Medium"/>
+                <a:sym typeface="Montserrat Medium"/>
+              </a:rPr>
+              <a:t>programming/non-blocking </a:t>
+            </a:r>
+            <a:r>
+              <a:rPr lang="en-US" i="1" dirty="0">
+                <a:solidFill>
+                  <a:schemeClr val="lt1"/>
+                </a:solidFill>
+                <a:latin typeface="Montserrat Medium"/>
+                <a:ea typeface="Montserrat Medium"/>
+                <a:cs typeface="Montserrat Medium"/>
+                <a:sym typeface="Montserrat Medium"/>
+              </a:rPr>
+              <a:t>I/O</a:t>
+            </a:r>
           </a:p>
           <a:p>
-            <a:pPr marL="431800" marR="0" lvl="0" indent="-342900" algn="l" rtl="0">
+            <a:pPr marL="431800" lvl="0" indent="-342900">
               <a:lnSpc>
                 <a:spcPct val="250000"/>
               </a:lnSpc>
-              <a:spcBef>
-                <a:spcPts val="0"/>
-              </a:spcBef>
-              <a:spcAft>
-                <a:spcPts val="0"/>
-              </a:spcAft>
               <a:buClr>
                 <a:schemeClr val="lt1"/>
               </a:buClr>
@@ -20033,7 +20493,7 @@
               <a:buAutoNum type="alphaUcPeriod"/>
             </a:pPr>
             <a:r>
-              <a:rPr lang="en-US" i="1" dirty="0" smtClean="0">
+              <a:rPr lang="en-US" i="1" dirty="0" err="1">
                 <a:solidFill>
                   <a:schemeClr val="lt1"/>
                 </a:solidFill>
@@ -20042,10 +20502,10 @@
                 <a:cs typeface="Montserrat Medium"/>
                 <a:sym typeface="Montserrat Medium"/>
               </a:rPr>
-              <a:t>Functional Programming </a:t>
-            </a:r>
-            <a:r>
-              <a:rPr lang="en-US" dirty="0" smtClean="0">
+              <a:t>Berbagai</a:t>
+            </a:r>
+            <a:r>
+              <a:rPr lang="en-US" i="1" dirty="0">
                 <a:solidFill>
                   <a:schemeClr val="lt1"/>
                 </a:solidFill>
@@ -20054,10 +20514,10 @@
                 <a:cs typeface="Montserrat Medium"/>
                 <a:sym typeface="Montserrat Medium"/>
               </a:rPr>
-              <a:t>di </a:t>
-            </a:r>
-            <a:r>
-              <a:rPr lang="en-US" dirty="0" err="1" smtClean="0">
+              <a:t> </a:t>
+            </a:r>
+            <a:r>
+              <a:rPr lang="en-US" i="1" dirty="0" err="1">
                 <a:solidFill>
                   <a:schemeClr val="lt1"/>
                 </a:solidFill>
@@ -20066,9 +20526,168 @@
                 <a:cs typeface="Montserrat Medium"/>
                 <a:sym typeface="Montserrat Medium"/>
               </a:rPr>
-              <a:t>Javascript</a:t>
-            </a:r>
-            <a:endParaRPr lang="en-US" dirty="0" smtClean="0">
+              <a:t>teknik</a:t>
+            </a:r>
+            <a:r>
+              <a:rPr lang="en-US" i="1" dirty="0">
+                <a:solidFill>
+                  <a:schemeClr val="lt1"/>
+                </a:solidFill>
+                <a:latin typeface="Montserrat Medium"/>
+                <a:ea typeface="Montserrat Medium"/>
+                <a:cs typeface="Montserrat Medium"/>
+                <a:sym typeface="Montserrat Medium"/>
+              </a:rPr>
+              <a:t> </a:t>
+            </a:r>
+            <a:r>
+              <a:rPr lang="en-US" i="1" dirty="0" err="1">
+                <a:solidFill>
+                  <a:schemeClr val="lt1"/>
+                </a:solidFill>
+                <a:latin typeface="Montserrat Medium"/>
+                <a:ea typeface="Montserrat Medium"/>
+                <a:cs typeface="Montserrat Medium"/>
+                <a:sym typeface="Montserrat Medium"/>
+              </a:rPr>
+              <a:t>pemrograman</a:t>
+            </a:r>
+            <a:r>
+              <a:rPr lang="en-US" i="1" dirty="0">
+                <a:solidFill>
+                  <a:schemeClr val="lt1"/>
+                </a:solidFill>
+                <a:latin typeface="Montserrat Medium"/>
+                <a:ea typeface="Montserrat Medium"/>
+                <a:cs typeface="Montserrat Medium"/>
+                <a:sym typeface="Montserrat Medium"/>
+              </a:rPr>
+              <a:t> di JavaScript </a:t>
+            </a:r>
+            <a:r>
+              <a:rPr lang="en-US" i="1" dirty="0" err="1">
+                <a:solidFill>
+                  <a:schemeClr val="lt1"/>
+                </a:solidFill>
+                <a:latin typeface="Montserrat Medium"/>
+                <a:ea typeface="Montserrat Medium"/>
+                <a:cs typeface="Montserrat Medium"/>
+                <a:sym typeface="Montserrat Medium"/>
+              </a:rPr>
+              <a:t>untuk</a:t>
+            </a:r>
+            <a:r>
+              <a:rPr lang="en-US" i="1" dirty="0">
+                <a:solidFill>
+                  <a:schemeClr val="lt1"/>
+                </a:solidFill>
+                <a:latin typeface="Montserrat Medium"/>
+                <a:ea typeface="Montserrat Medium"/>
+                <a:cs typeface="Montserrat Medium"/>
+                <a:sym typeface="Montserrat Medium"/>
+              </a:rPr>
+              <a:t> asynchronous programming</a:t>
+            </a:r>
+          </a:p>
+          <a:p>
+            <a:pPr marL="431800" lvl="0" indent="-342900">
+              <a:lnSpc>
+                <a:spcPct val="250000"/>
+              </a:lnSpc>
+              <a:buClr>
+                <a:schemeClr val="lt1"/>
+              </a:buClr>
+              <a:buSzPts val="1400"/>
+              <a:buFont typeface="+mj-lt"/>
+              <a:buAutoNum type="alphaUcPeriod"/>
+            </a:pPr>
+            <a:r>
+              <a:rPr lang="en-US" i="1" dirty="0">
+                <a:solidFill>
+                  <a:schemeClr val="lt1"/>
+                </a:solidFill>
+                <a:latin typeface="Montserrat Medium"/>
+                <a:ea typeface="Montserrat Medium"/>
+                <a:cs typeface="Montserrat Medium"/>
+                <a:sym typeface="Montserrat Medium"/>
+              </a:rPr>
+              <a:t>Callback di JavaScript</a:t>
+            </a:r>
+          </a:p>
+          <a:p>
+            <a:pPr marL="431800" lvl="0" indent="-342900">
+              <a:lnSpc>
+                <a:spcPct val="250000"/>
+              </a:lnSpc>
+              <a:buClr>
+                <a:schemeClr val="lt1"/>
+              </a:buClr>
+              <a:buSzPts val="1400"/>
+              <a:buFont typeface="+mj-lt"/>
+              <a:buAutoNum type="alphaUcPeriod"/>
+            </a:pPr>
+            <a:r>
+              <a:rPr lang="en-US" i="1" dirty="0">
+                <a:solidFill>
+                  <a:schemeClr val="lt1"/>
+                </a:solidFill>
+                <a:latin typeface="Montserrat Medium"/>
+                <a:ea typeface="Montserrat Medium"/>
+                <a:cs typeface="Montserrat Medium"/>
+                <a:sym typeface="Montserrat Medium"/>
+              </a:rPr>
+              <a:t>Promise di JavaScript</a:t>
+            </a:r>
+          </a:p>
+          <a:p>
+            <a:pPr marL="431800" lvl="0" indent="-342900">
+              <a:lnSpc>
+                <a:spcPct val="250000"/>
+              </a:lnSpc>
+              <a:buClr>
+                <a:schemeClr val="lt1"/>
+              </a:buClr>
+              <a:buSzPts val="1400"/>
+              <a:buFont typeface="+mj-lt"/>
+              <a:buAutoNum type="alphaUcPeriod"/>
+            </a:pPr>
+            <a:r>
+              <a:rPr lang="en-US" i="1" dirty="0" err="1">
+                <a:solidFill>
+                  <a:schemeClr val="lt1"/>
+                </a:solidFill>
+                <a:latin typeface="Montserrat Medium"/>
+                <a:ea typeface="Montserrat Medium"/>
+                <a:cs typeface="Montserrat Medium"/>
+                <a:sym typeface="Montserrat Medium"/>
+              </a:rPr>
+              <a:t>async</a:t>
+            </a:r>
+            <a:r>
+              <a:rPr lang="en-US" i="1" dirty="0">
+                <a:solidFill>
+                  <a:schemeClr val="lt1"/>
+                </a:solidFill>
+                <a:latin typeface="Montserrat Medium"/>
+                <a:ea typeface="Montserrat Medium"/>
+                <a:cs typeface="Montserrat Medium"/>
+                <a:sym typeface="Montserrat Medium"/>
+              </a:rPr>
+              <a:t>/await di </a:t>
+            </a:r>
+            <a:r>
+              <a:rPr lang="en-US" i="1" dirty="0" smtClean="0">
+                <a:solidFill>
+                  <a:schemeClr val="lt1"/>
+                </a:solidFill>
+                <a:latin typeface="Montserrat Medium"/>
+                <a:ea typeface="Montserrat Medium"/>
+                <a:cs typeface="Montserrat Medium"/>
+                <a:sym typeface="Montserrat Medium"/>
+              </a:rPr>
+              <a:t>JavaScript</a:t>
+            </a:r>
+            <a:endParaRPr lang="en-US" sz="1400" i="1" dirty="0" smtClean="0">
               <a:solidFill>
                 <a:schemeClr val="lt1"/>
               </a:solidFill>
@@ -20179,7 +20798,7 @@
         <p:spPr>
           <a:xfrm>
             <a:off x="371179" y="2190319"/>
-            <a:ext cx="6858295" cy="438600"/>
+            <a:ext cx="8682386" cy="438600"/>
           </a:xfrm>
           <a:prstGeom prst="rect">
             <a:avLst/>
@@ -20195,32 +20814,23 @@
           </a:bodyPr>
           <a:lstStyle/>
           <a:p>
-            <a:pPr marL="0" marR="0" lvl="0" indent="0" algn="l" rtl="0">
-              <a:spcBef>
-                <a:spcPts val="0"/>
-              </a:spcBef>
-              <a:spcAft>
-                <a:spcPts val="0"/>
-              </a:spcAft>
-              <a:buNone/>
-            </a:pPr>
-            <a:r>
-              <a:rPr lang="id" sz="2400" i="1" dirty="0" smtClean="0">
+            <a:pPr lvl="0"/>
+            <a:r>
+              <a:rPr lang="en-US" sz="2400" i="1" dirty="0" err="1">
                 <a:solidFill>
                   <a:schemeClr val="lt1"/>
                 </a:solidFill>
               </a:rPr>
-              <a:t>Functional Programming</a:t>
-            </a:r>
-            <a:endParaRPr sz="2400" i="1" dirty="0">
-              <a:solidFill>
-                <a:schemeClr val="lt1"/>
-              </a:solidFill>
-              <a:latin typeface="Arial"/>
-              <a:ea typeface="Arial"/>
-              <a:cs typeface="Arial"/>
-              <a:sym typeface="Arial"/>
-            </a:endParaRPr>
+              <a:t>Pengertian</a:t>
+            </a:r>
+            <a:r>
+              <a:rPr lang="en-US" sz="2400" i="1" dirty="0">
+                <a:solidFill>
+                  <a:schemeClr val="lt1"/>
+                </a:solidFill>
+              </a:rPr>
+              <a:t> asynchronous programming/non-blocking I/O</a:t>
+            </a:r>
           </a:p>
         </p:txBody>
       </p:sp>
@@ -20232,7 +20842,7 @@
         </p:nvCxnSpPr>
         <p:spPr>
           <a:xfrm>
-            <a:off x="457200" y="2628900"/>
+            <a:off x="371179" y="2628919"/>
             <a:ext cx="8686800" cy="0"/>
           </a:xfrm>
           <a:prstGeom prst="straightConnector1">
@@ -20299,8 +20909,12 @@
           <a:p>
             <a:pPr algn="ctr"/>
             <a:r>
-              <a:rPr lang="en-US" i="1" dirty="0" smtClean="0"/>
-              <a:t>Functional Programming</a:t>
+              <a:rPr lang="en-US" sz="3600" i="1" dirty="0" smtClean="0">
+                <a:solidFill>
+                  <a:schemeClr val="lt1"/>
+                </a:solidFill>
+              </a:rPr>
+              <a:t>Asynchronous I/O</a:t>
             </a:r>
             <a:endParaRPr lang="en-US" i="1" dirty="0"/>
           </a:p>
@@ -20330,8 +20944,12 @@
               <a:buNone/>
             </a:pPr>
             <a:r>
+              <a:rPr lang="en-US" i="1" dirty="0" err="1" smtClean="0"/>
+              <a:t>Asynchronouse</a:t>
+            </a:r>
+            <a:r>
               <a:rPr lang="en-US" i="1" dirty="0" smtClean="0"/>
-              <a:t>Functional Programming </a:t>
+              <a:t> I/O </a:t>
             </a:r>
             <a:r>
               <a:rPr lang="en-US" dirty="0" err="1" smtClean="0"/>
@@ -20339,19 +20957,11 @@
             </a:r>
             <a:r>
               <a:rPr lang="en-US" dirty="0" smtClean="0"/>
-              <a:t> paradigm </a:t>
+              <a:t> </a:t>
             </a:r>
             <a:r>
               <a:rPr lang="en-US" dirty="0" err="1" smtClean="0"/>
-              <a:t>pemrograman</a:t>
-            </a:r>
-            <a:r>
-              <a:rPr lang="en-US" dirty="0" smtClean="0"/>
-              <a:t> yang </a:t>
-            </a:r>
-            <a:r>
-              <a:rPr lang="en-US" dirty="0" err="1" smtClean="0"/>
-              <a:t>terbentuk</a:t>
+              <a:t>bentuk</a:t>
             </a:r>
             <a:r>
               <a:rPr lang="en-US" dirty="0" smtClean="0"/>
@@ -20359,7 +20969,15 @@
             </a:r>
             <a:r>
               <a:rPr lang="en-US" dirty="0" err="1" smtClean="0"/>
-              <a:t>dari</a:t>
+              <a:t>pemrosesan</a:t>
+            </a:r>
+            <a:r>
+              <a:rPr lang="en-US" dirty="0" smtClean="0"/>
+              <a:t> input/output yang </a:t>
+            </a:r>
+            <a:r>
+              <a:rPr lang="en-US" dirty="0" err="1" smtClean="0"/>
+              <a:t>memungkinkan</a:t>
             </a:r>
             <a:r>
               <a:rPr lang="en-US" dirty="0" smtClean="0"/>
@@ -20367,7 +20985,15 @@
             </a:r>
             <a:r>
               <a:rPr lang="en-US" dirty="0" err="1" smtClean="0"/>
-              <a:t>pengaplikasian</a:t>
+              <a:t>pemrosesan</a:t>
+            </a:r>
+            <a:r>
+              <a:rPr lang="en-US" dirty="0" smtClean="0"/>
+              <a:t> lain </a:t>
+            </a:r>
+            <a:r>
+              <a:rPr lang="en-US" dirty="0" err="1" smtClean="0"/>
+              <a:t>datap</a:t>
             </a:r>
             <a:r>
               <a:rPr lang="en-US" dirty="0" smtClean="0"/>
@@ -20375,7 +21001,7 @@
             </a:r>
             <a:r>
               <a:rPr lang="en-US" dirty="0" err="1" smtClean="0"/>
-              <a:t>dan</a:t>
+              <a:t>berjalan</a:t>
             </a:r>
             <a:r>
               <a:rPr lang="en-US" dirty="0" smtClean="0"/>
@@ -20383,7 +21009,15 @@
             </a:r>
             <a:r>
               <a:rPr lang="en-US" dirty="0" err="1" smtClean="0"/>
-              <a:t>penulisan</a:t>
+              <a:t>sebelum</a:t>
+            </a:r>
+            <a:r>
+              <a:rPr lang="en-US" dirty="0" smtClean="0"/>
+              <a:t> proses i/o </a:t>
+            </a:r>
+            <a:r>
+              <a:rPr lang="en-US" dirty="0" err="1" smtClean="0"/>
+              <a:t>tersebut</a:t>
             </a:r>
             <a:r>
               <a:rPr lang="en-US" dirty="0" smtClean="0"/>
@@ -20391,245 +21025,29 @@
             </a:r>
             <a:r>
               <a:rPr lang="en-US" dirty="0" err="1" smtClean="0"/>
-              <a:t>fungsi</a:t>
+              <a:t>selesai</a:t>
             </a:r>
             <a:r>
               <a:rPr lang="en-US" dirty="0" smtClean="0"/>
-              <a:t>. </a:t>
-            </a:r>
-            <a:r>
-              <a:rPr lang="en-US" dirty="0" err="1" smtClean="0"/>
-              <a:t>Paradigma</a:t>
-            </a:r>
-            <a:r>
-              <a:rPr lang="en-US" dirty="0" smtClean="0"/>
-              <a:t> </a:t>
-            </a:r>
-            <a:r>
-              <a:rPr lang="en-US" dirty="0" err="1" smtClean="0"/>
-              <a:t>ini</a:t>
-            </a:r>
-            <a:r>
-              <a:rPr lang="en-US" dirty="0" smtClean="0"/>
-              <a:t> </a:t>
-            </a:r>
-            <a:r>
-              <a:rPr lang="en-US" dirty="0" err="1" smtClean="0"/>
-              <a:t>terkadang</a:t>
-            </a:r>
-            <a:r>
-              <a:rPr lang="en-US" dirty="0" smtClean="0"/>
-              <a:t> </a:t>
-            </a:r>
-            <a:r>
-              <a:rPr lang="en-US" dirty="0" err="1" smtClean="0"/>
-              <a:t>disamakan</a:t>
-            </a:r>
-            <a:r>
-              <a:rPr lang="en-US" dirty="0" smtClean="0"/>
-              <a:t> </a:t>
-            </a:r>
-            <a:r>
-              <a:rPr lang="en-US" dirty="0" err="1" smtClean="0"/>
-              <a:t>dengan</a:t>
-            </a:r>
-            <a:r>
-              <a:rPr lang="en-US" dirty="0" smtClean="0"/>
-              <a:t> </a:t>
-            </a:r>
-            <a:r>
-              <a:rPr lang="en-US" dirty="0" err="1" smtClean="0"/>
-              <a:t>pemrograman</a:t>
-            </a:r>
-            <a:r>
-              <a:rPr lang="en-US" dirty="0" smtClean="0"/>
-              <a:t> </a:t>
-            </a:r>
-            <a:r>
-              <a:rPr lang="en-US" dirty="0" err="1" smtClean="0"/>
-              <a:t>fungsional</a:t>
-            </a:r>
-            <a:r>
-              <a:rPr lang="en-US" dirty="0" smtClean="0"/>
-              <a:t> </a:t>
-            </a:r>
-            <a:r>
-              <a:rPr lang="en-US" dirty="0" err="1" smtClean="0"/>
-              <a:t>murni</a:t>
-            </a:r>
-            <a:r>
-              <a:rPr lang="en-US" dirty="0" smtClean="0"/>
-              <a:t>, </a:t>
-            </a:r>
-            <a:r>
-              <a:rPr lang="en-US" dirty="0" err="1" smtClean="0"/>
-              <a:t>bagian</a:t>
-            </a:r>
-            <a:r>
-              <a:rPr lang="en-US" dirty="0" smtClean="0"/>
-              <a:t> </a:t>
-            </a:r>
-            <a:r>
-              <a:rPr lang="en-US" dirty="0" err="1" smtClean="0"/>
-              <a:t>dari</a:t>
-            </a:r>
-            <a:r>
-              <a:rPr lang="en-US" dirty="0" smtClean="0"/>
-              <a:t> </a:t>
-            </a:r>
-            <a:r>
-              <a:rPr lang="en-US" dirty="0" err="1" smtClean="0"/>
-              <a:t>pemrograman</a:t>
-            </a:r>
-            <a:r>
-              <a:rPr lang="en-US" dirty="0" smtClean="0"/>
-              <a:t> </a:t>
-            </a:r>
-            <a:r>
-              <a:rPr lang="en-US" dirty="0" err="1" smtClean="0"/>
-              <a:t>fungsional</a:t>
-            </a:r>
-            <a:r>
-              <a:rPr lang="en-US" dirty="0" smtClean="0"/>
-              <a:t> yang </a:t>
-            </a:r>
-            <a:r>
-              <a:rPr lang="en-US" dirty="0" err="1" smtClean="0"/>
-              <a:t>memperlakukan</a:t>
-            </a:r>
-            <a:r>
-              <a:rPr lang="en-US" dirty="0" smtClean="0"/>
-              <a:t> </a:t>
-            </a:r>
-            <a:r>
-              <a:rPr lang="en-US" dirty="0" err="1" smtClean="0"/>
-              <a:t>semua</a:t>
-            </a:r>
-            <a:r>
-              <a:rPr lang="en-US" dirty="0" smtClean="0"/>
-              <a:t> </a:t>
-            </a:r>
-            <a:r>
-              <a:rPr lang="en-US" dirty="0" err="1" smtClean="0"/>
-              <a:t>fungsi</a:t>
-            </a:r>
-            <a:r>
-              <a:rPr lang="en-US" dirty="0" smtClean="0"/>
-              <a:t> </a:t>
-            </a:r>
-            <a:r>
-              <a:rPr lang="en-US" dirty="0" err="1" smtClean="0"/>
-              <a:t>sebagai</a:t>
-            </a:r>
-            <a:r>
-              <a:rPr lang="en-US" dirty="0" smtClean="0"/>
-              <a:t> </a:t>
-            </a:r>
-            <a:r>
-              <a:rPr lang="en-US" dirty="0" err="1" smtClean="0"/>
-              <a:t>fungsi</a:t>
-            </a:r>
-            <a:r>
-              <a:rPr lang="en-US" dirty="0" smtClean="0"/>
-              <a:t> </a:t>
-            </a:r>
-            <a:r>
-              <a:rPr lang="en-US" dirty="0" err="1" smtClean="0"/>
-              <a:t>matematika</a:t>
-            </a:r>
-            <a:r>
-              <a:rPr lang="en-US" dirty="0" smtClean="0"/>
-              <a:t> </a:t>
-            </a:r>
-            <a:r>
-              <a:rPr lang="en-US" dirty="0" err="1" smtClean="0"/>
-              <a:t>atau</a:t>
-            </a:r>
-            <a:r>
-              <a:rPr lang="en-US" dirty="0" smtClean="0"/>
-              <a:t> </a:t>
-            </a:r>
-            <a:r>
-              <a:rPr lang="en-US" dirty="0" err="1" smtClean="0"/>
-              <a:t>fungsi</a:t>
-            </a:r>
-            <a:r>
-              <a:rPr lang="en-US" dirty="0" smtClean="0"/>
-              <a:t> </a:t>
-            </a:r>
-            <a:r>
-              <a:rPr lang="en-US" dirty="0" err="1" smtClean="0"/>
-              <a:t>murni</a:t>
-            </a:r>
-            <a:r>
-              <a:rPr lang="en-US" dirty="0" smtClean="0"/>
-              <a:t>. </a:t>
-            </a:r>
-            <a:r>
-              <a:rPr lang="en-US" i="1" dirty="0"/>
-              <a:t>Functional Programming </a:t>
-            </a:r>
-            <a:r>
-              <a:rPr lang="en-US" dirty="0" err="1"/>
-              <a:t>memungkinkan</a:t>
-            </a:r>
-            <a:r>
-              <a:rPr lang="en-US" dirty="0"/>
-              <a:t> </a:t>
-            </a:r>
-            <a:r>
-              <a:rPr lang="en-US" dirty="0" err="1"/>
-              <a:t>kita</a:t>
-            </a:r>
-            <a:r>
-              <a:rPr lang="en-US" dirty="0"/>
-              <a:t> </a:t>
-            </a:r>
-            <a:r>
-              <a:rPr lang="en-US" dirty="0" err="1"/>
-              <a:t>memprogram</a:t>
-            </a:r>
-            <a:r>
-              <a:rPr lang="en-US" dirty="0"/>
-              <a:t> </a:t>
-            </a:r>
-            <a:r>
-              <a:rPr lang="en-US" dirty="0" err="1"/>
-              <a:t>menjadi</a:t>
-            </a:r>
-            <a:r>
-              <a:rPr lang="en-US" dirty="0"/>
-              <a:t> </a:t>
-            </a:r>
-            <a:r>
-              <a:rPr lang="en-US" dirty="0" err="1"/>
-              <a:t>lebih</a:t>
-            </a:r>
-            <a:r>
-              <a:rPr lang="en-US" dirty="0"/>
-              <a:t> </a:t>
-            </a:r>
-            <a:r>
-              <a:rPr lang="en-US" dirty="0" err="1"/>
-              <a:t>singkat</a:t>
-            </a:r>
-            <a:r>
-              <a:rPr lang="en-US" dirty="0"/>
               <a:t>.</a:t>
             </a:r>
-            <a:endParaRPr lang="en-US" i="1" dirty="0"/>
+            <a:endParaRPr lang="en-US" i="1" dirty="0" smtClean="0"/>
           </a:p>
           <a:p>
             <a:pPr marL="95250" indent="0">
               <a:buNone/>
             </a:pPr>
             <a:r>
+              <a:rPr lang="en-US" i="1" dirty="0" err="1" smtClean="0"/>
+              <a:t>Asyncrhonouse</a:t>
+            </a:r>
+            <a:r>
               <a:rPr lang="en-US" i="1" dirty="0" smtClean="0"/>
-              <a:t>Functional Programming </a:t>
+              <a:t> I/O </a:t>
             </a:r>
             <a:r>
               <a:rPr lang="en-US" dirty="0" err="1" smtClean="0"/>
-              <a:t>menghindari</a:t>
+              <a:t>berlatar</a:t>
             </a:r>
             <a:r>
               <a:rPr lang="en-US" dirty="0" smtClean="0"/>
@@ -20637,11 +21055,103 @@
             </a:r>
             <a:r>
               <a:rPr lang="en-US" dirty="0" err="1" smtClean="0"/>
-              <a:t>perubahan</a:t>
+              <a:t>belakang</a:t>
             </a:r>
             <a:r>
               <a:rPr lang="en-US" dirty="0" smtClean="0"/>
-              <a:t> status </a:t>
+              <a:t> </a:t>
+            </a:r>
+            <a:r>
+              <a:rPr lang="en-US" dirty="0" err="1" smtClean="0"/>
+              <a:t>dari</a:t>
+            </a:r>
+            <a:r>
+              <a:rPr lang="en-US" dirty="0" smtClean="0"/>
+              <a:t> </a:t>
+            </a:r>
+            <a:r>
+              <a:rPr lang="en-US" dirty="0" err="1" smtClean="0"/>
+              <a:t>mengatasi</a:t>
+            </a:r>
+            <a:r>
+              <a:rPr lang="en-US" dirty="0" smtClean="0"/>
+              <a:t> </a:t>
+            </a:r>
+            <a:r>
+              <a:rPr lang="en-US" dirty="0" err="1" smtClean="0"/>
+              <a:t>pendekatan</a:t>
+            </a:r>
+            <a:r>
+              <a:rPr lang="en-US" dirty="0" smtClean="0"/>
+              <a:t> yang </a:t>
+            </a:r>
+            <a:r>
+              <a:rPr lang="en-US" dirty="0" err="1" smtClean="0"/>
+              <a:t>dilakukan</a:t>
+            </a:r>
+            <a:r>
+              <a:rPr lang="en-US" dirty="0" smtClean="0"/>
+              <a:t> </a:t>
+            </a:r>
+            <a:r>
+              <a:rPr lang="en-US" dirty="0" err="1" smtClean="0"/>
+              <a:t>ketika</a:t>
+            </a:r>
+            <a:r>
+              <a:rPr lang="en-US" dirty="0" smtClean="0"/>
+              <a:t> I/O </a:t>
+            </a:r>
+            <a:r>
+              <a:rPr lang="en-US" dirty="0" err="1" smtClean="0"/>
+              <a:t>harus</a:t>
+            </a:r>
+            <a:r>
+              <a:rPr lang="en-US" dirty="0" smtClean="0"/>
+              <a:t> </a:t>
+            </a:r>
+            <a:r>
+              <a:rPr lang="en-US" dirty="0" err="1" smtClean="0"/>
+              <a:t>ditunggu</a:t>
+            </a:r>
+            <a:r>
+              <a:rPr lang="en-US" dirty="0" smtClean="0"/>
+              <a:t> </a:t>
+            </a:r>
+            <a:r>
+              <a:rPr lang="en-US" dirty="0" err="1" smtClean="0"/>
+              <a:t>sampai</a:t>
+            </a:r>
+            <a:r>
+              <a:rPr lang="en-US" dirty="0" smtClean="0"/>
+              <a:t> </a:t>
+            </a:r>
+            <a:r>
+              <a:rPr lang="en-US" dirty="0" err="1" smtClean="0"/>
+              <a:t>selesai</a:t>
+            </a:r>
+            <a:r>
+              <a:rPr lang="en-US" dirty="0"/>
+              <a:t> </a:t>
+            </a:r>
+            <a:r>
+              <a:rPr lang="en-US" dirty="0" smtClean="0"/>
+              <a:t>(</a:t>
+            </a:r>
+            <a:r>
+              <a:rPr lang="en-US" dirty="0" err="1" smtClean="0"/>
+              <a:t>disebut</a:t>
+            </a:r>
+            <a:r>
+              <a:rPr lang="en-US" dirty="0" smtClean="0"/>
+              <a:t> </a:t>
+            </a:r>
+            <a:r>
+              <a:rPr lang="en-US" i="1" dirty="0" err="1" smtClean="0"/>
+              <a:t>Syncchronouse</a:t>
+            </a:r>
+            <a:r>
+              <a:rPr lang="en-US" i="1" dirty="0" smtClean="0"/>
+              <a:t> I/O </a:t>
             </a:r>
             <a:r>
               <a:rPr lang="en-US" dirty="0" err="1" smtClean="0"/>
@@ -20649,7 +21159,75 @@
             </a:r>
             <a:r>
               <a:rPr lang="en-US" dirty="0" smtClean="0"/>
-              <a:t> data yang </a:t>
+              <a:t> </a:t>
+            </a:r>
+            <a:r>
+              <a:rPr lang="en-US" i="1" dirty="0" smtClean="0"/>
+              <a:t>blocking I/O</a:t>
+            </a:r>
+            <a:r>
+              <a:rPr lang="en-US" dirty="0" smtClean="0"/>
+              <a:t>). </a:t>
+            </a:r>
+            <a:r>
+              <a:rPr lang="en-US" dirty="0" err="1" smtClean="0"/>
+              <a:t>Jika</a:t>
+            </a:r>
+            <a:r>
+              <a:rPr lang="en-US" dirty="0" smtClean="0"/>
+              <a:t> program </a:t>
+            </a:r>
+            <a:r>
+              <a:rPr lang="en-US" dirty="0" err="1" smtClean="0"/>
+              <a:t>berjalan</a:t>
+            </a:r>
+            <a:r>
+              <a:rPr lang="en-US" dirty="0" smtClean="0"/>
+              <a:t> </a:t>
+            </a:r>
+            <a:r>
+              <a:rPr lang="en-US" dirty="0" err="1" smtClean="0"/>
+              <a:t>secara</a:t>
+            </a:r>
+            <a:r>
+              <a:rPr lang="en-US" dirty="0" smtClean="0"/>
+              <a:t> </a:t>
+            </a:r>
+            <a:r>
+              <a:rPr lang="en-US" i="1" dirty="0" smtClean="0"/>
+              <a:t>synchronous </a:t>
+            </a:r>
+            <a:r>
+              <a:rPr lang="en-US" dirty="0" err="1" smtClean="0"/>
+              <a:t>dengan</a:t>
+            </a:r>
+            <a:r>
+              <a:rPr lang="en-US" dirty="0" smtClean="0"/>
+              <a:t> </a:t>
+            </a:r>
+            <a:r>
+              <a:rPr lang="en-US" dirty="0" err="1" smtClean="0"/>
+              <a:t>jumlah</a:t>
+            </a:r>
+            <a:r>
+              <a:rPr lang="en-US" dirty="0" smtClean="0"/>
+              <a:t> yang </a:t>
+            </a:r>
+            <a:r>
+              <a:rPr lang="en-US" dirty="0" err="1" smtClean="0"/>
+              <a:t>banyak</a:t>
+            </a:r>
+            <a:r>
+              <a:rPr lang="en-US" dirty="0" smtClean="0"/>
+              <a:t> </a:t>
+            </a:r>
+            <a:r>
+              <a:rPr lang="en-US" dirty="0" err="1" smtClean="0"/>
+              <a:t>itu</a:t>
+            </a:r>
+            <a:r>
+              <a:rPr lang="en-US" dirty="0" smtClean="0"/>
+              <a:t> </a:t>
             </a:r>
             <a:r>
               <a:rPr lang="en-US" dirty="0" err="1" smtClean="0"/>
@@ -20661,7 +21239,7 @@
             </a:r>
             <a:r>
               <a:rPr lang="en-US" dirty="0" err="1" smtClean="0"/>
-              <a:t>berubah</a:t>
+              <a:t>menghabiskan</a:t>
             </a:r>
             <a:r>
               <a:rPr lang="en-US" dirty="0" smtClean="0"/>
@@ -20669,25 +21247,45 @@
             </a:r>
             <a:r>
               <a:rPr lang="en-US" dirty="0" err="1" smtClean="0"/>
-              <a:t>saat</a:t>
+              <a:t>waktu</a:t>
             </a:r>
             <a:r>
               <a:rPr lang="en-US" dirty="0" smtClean="0"/>
               <a:t> </a:t>
             </a:r>
             <a:r>
-              <a:rPr lang="en-US" i="1" dirty="0" smtClean="0"/>
-              <a:t>script </a:t>
-            </a:r>
-            <a:r>
               <a:rPr lang="en-US" dirty="0" err="1" smtClean="0"/>
-              <a:t>dijalankan</a:t>
+              <a:t>hanya</a:t>
             </a:r>
             <a:r>
               <a:rPr lang="en-US" dirty="0" smtClean="0"/>
-              <a:t>.</a:t>
-            </a:r>
-            <a:endParaRPr lang="en-US" i="1" dirty="0" smtClean="0"/>
+              <a:t> </a:t>
+            </a:r>
+            <a:r>
+              <a:rPr lang="en-US" dirty="0" err="1" smtClean="0"/>
+              <a:t>untuk</a:t>
+            </a:r>
+            <a:r>
+              <a:rPr lang="en-US" dirty="0" smtClean="0"/>
+              <a:t> </a:t>
+            </a:r>
+            <a:r>
+              <a:rPr lang="en-US" dirty="0" err="1" smtClean="0"/>
+              <a:t>mnyelesaikan</a:t>
+            </a:r>
+            <a:r>
+              <a:rPr lang="en-US" dirty="0" smtClean="0"/>
+              <a:t> </a:t>
+            </a:r>
+            <a:r>
+              <a:rPr lang="en-US" dirty="0" err="1" smtClean="0"/>
+              <a:t>operasi</a:t>
+            </a:r>
+            <a:r>
+              <a:rPr lang="en-US" dirty="0" smtClean="0"/>
+              <a:t> I/O.</a:t>
+            </a:r>
+            <a:endParaRPr lang="en-US" dirty="0" smtClean="0"/>
           </a:p>
         </p:txBody>
       </p:sp>
@@ -20737,7 +21335,7 @@
         <p:spPr>
           <a:xfrm>
             <a:off x="371179" y="2190319"/>
-            <a:ext cx="6858295" cy="438600"/>
+            <a:ext cx="8702483" cy="438600"/>
           </a:xfrm>
           <a:prstGeom prst="rect">
             <a:avLst/>
@@ -20753,40 +21351,71 @@
           </a:bodyPr>
           <a:lstStyle/>
           <a:p>
-            <a:pPr marL="0" marR="0" lvl="0" indent="0" algn="l" rtl="0">
-              <a:spcBef>
-                <a:spcPts val="0"/>
-              </a:spcBef>
-              <a:spcAft>
-                <a:spcPts val="0"/>
-              </a:spcAft>
-              <a:buNone/>
-            </a:pPr>
-            <a:r>
-              <a:rPr lang="id" sz="2400" i="1" dirty="0" smtClean="0">
+            <a:pPr lvl="0"/>
+            <a:r>
+              <a:rPr lang="en-US" sz="1800" i="1" dirty="0" err="1">
                 <a:solidFill>
                   <a:schemeClr val="lt1"/>
                 </a:solidFill>
               </a:rPr>
-              <a:t>Functional Programming </a:t>
-            </a:r>
-            <a:r>
-              <a:rPr lang="id" sz="2400" dirty="0" smtClean="0">
+              <a:t>Berbagai</a:t>
+            </a:r>
+            <a:r>
+              <a:rPr lang="en-US" sz="1800" i="1" dirty="0">
                 <a:solidFill>
                   <a:schemeClr val="lt1"/>
                 </a:solidFill>
               </a:rPr>
-              <a:t>di Javascript</a:t>
-            </a:r>
-            <a:endParaRPr sz="2400" i="1" dirty="0">
-              <a:solidFill>
-                <a:schemeClr val="lt1"/>
-              </a:solidFill>
-              <a:latin typeface="Arial"/>
-              <a:ea typeface="Arial"/>
-              <a:cs typeface="Arial"/>
-              <a:sym typeface="Arial"/>
-            </a:endParaRPr>
+              <a:t> </a:t>
+            </a:r>
+            <a:r>
+              <a:rPr lang="en-US" sz="1800" i="1" dirty="0" err="1">
+                <a:solidFill>
+                  <a:schemeClr val="lt1"/>
+                </a:solidFill>
+              </a:rPr>
+              <a:t>teknik</a:t>
+            </a:r>
+            <a:r>
+              <a:rPr lang="en-US" sz="1800" i="1" dirty="0">
+                <a:solidFill>
+                  <a:schemeClr val="lt1"/>
+                </a:solidFill>
+              </a:rPr>
+              <a:t> </a:t>
+            </a:r>
+            <a:r>
+              <a:rPr lang="en-US" sz="1800" i="1" dirty="0" err="1">
+                <a:solidFill>
+                  <a:schemeClr val="lt1"/>
+                </a:solidFill>
+              </a:rPr>
+              <a:t>pemrograman</a:t>
+            </a:r>
+            <a:r>
+              <a:rPr lang="en-US" sz="1800" i="1" dirty="0">
+                <a:solidFill>
+                  <a:schemeClr val="lt1"/>
+                </a:solidFill>
+              </a:rPr>
+              <a:t> di JavaScript </a:t>
+            </a:r>
+            <a:r>
+              <a:rPr lang="en-US" sz="1800" i="1" dirty="0" err="1">
+                <a:solidFill>
+                  <a:schemeClr val="lt1"/>
+                </a:solidFill>
+              </a:rPr>
+              <a:t>untuk</a:t>
+            </a:r>
+            <a:r>
+              <a:rPr lang="en-US" sz="1800" i="1" dirty="0">
+                <a:solidFill>
+                  <a:schemeClr val="lt1"/>
+                </a:solidFill>
+              </a:rPr>
+              <a:t> asynchronous programming</a:t>
+            </a:r>
           </a:p>
         </p:txBody>
       </p:sp>
@@ -20870,8 +21499,12 @@
           <a:p>
             <a:pPr algn="ctr"/>
             <a:r>
-              <a:rPr lang="en-US" i="1" dirty="0" smtClean="0"/>
-              <a:t>Array Function</a:t>
+              <a:rPr lang="en-US" sz="3600" i="1" dirty="0" smtClean="0">
+                <a:solidFill>
+                  <a:schemeClr val="lt1"/>
+                </a:solidFill>
+              </a:rPr>
+              <a:t>Blocking</a:t>
             </a:r>
             <a:endParaRPr lang="en-US" i="1" dirty="0"/>
           </a:p>
@@ -20890,7 +21523,7 @@
         <p:spPr>
           <a:xfrm>
             <a:off x="709036" y="1351765"/>
-            <a:ext cx="7886700" cy="396648"/>
+            <a:ext cx="7886700" cy="356456"/>
           </a:xfrm>
         </p:spPr>
         <p:txBody>
@@ -20902,7 +21535,7 @@
             </a:pPr>
             <a:r>
               <a:rPr lang="en-US" dirty="0" err="1" smtClean="0"/>
-              <a:t>Berikut</a:t>
+              <a:t>Sebelum</a:t>
             </a:r>
             <a:r>
               <a:rPr lang="en-US" dirty="0" smtClean="0"/>
@@ -20910,7 +21543,7 @@
             </a:r>
             <a:r>
               <a:rPr lang="en-US" dirty="0" err="1" smtClean="0"/>
-              <a:t>contoh</a:t>
+              <a:t>kita</a:t>
             </a:r>
             <a:r>
               <a:rPr lang="en-US" dirty="0" smtClean="0"/>
@@ -20918,11 +21551,7 @@
             </a:r>
             <a:r>
               <a:rPr lang="en-US" dirty="0" err="1" smtClean="0"/>
-              <a:t>perbandinga</a:t>
-            </a:r>
-            <a:r>
-              <a:rPr lang="en-US" dirty="0" err="1" smtClean="0"/>
-              <a:t>n</a:t>
+              <a:t>mencoba</a:t>
             </a:r>
             <a:r>
               <a:rPr lang="en-US" dirty="0" smtClean="0"/>
@@ -20930,21 +21559,88 @@
             </a:r>
             <a:r>
               <a:rPr lang="en-US" i="1" dirty="0" smtClean="0"/>
-              <a:t>imperative pattern </a:t>
-            </a:r>
-            <a:r>
-              <a:rPr lang="en-US" dirty="0" err="1" smtClean="0"/>
-              <a:t>dan</a:t>
+              <a:t>asynchronous</a:t>
             </a:r>
             <a:r>
               <a:rPr lang="en-US" dirty="0" smtClean="0"/>
               <a:t> </a:t>
             </a:r>
             <a:r>
+              <a:rPr lang="en-US" dirty="0" err="1" smtClean="0"/>
+              <a:t>pada</a:t>
+            </a:r>
+            <a:r>
+              <a:rPr lang="en-US" dirty="0" smtClean="0"/>
+              <a:t> </a:t>
+            </a:r>
+            <a:r>
+              <a:rPr lang="en-US" dirty="0" err="1" smtClean="0"/>
+              <a:t>javascript</a:t>
+            </a:r>
+            <a:r>
+              <a:rPr lang="en-US" dirty="0" smtClean="0"/>
+              <a:t> </a:t>
+            </a:r>
+            <a:r>
+              <a:rPr lang="en-US" dirty="0" err="1" smtClean="0"/>
+              <a:t>kita</a:t>
+            </a:r>
+            <a:r>
+              <a:rPr lang="en-US" dirty="0" smtClean="0"/>
+              <a:t> </a:t>
+            </a:r>
+            <a:r>
+              <a:rPr lang="en-US" dirty="0" err="1" smtClean="0"/>
+              <a:t>coba</a:t>
+            </a:r>
+            <a:r>
+              <a:rPr lang="en-US" dirty="0" smtClean="0"/>
+              <a:t> </a:t>
+            </a:r>
+            <a:r>
+              <a:rPr lang="en-US" dirty="0" err="1" smtClean="0"/>
+              <a:t>terlebih</a:t>
+            </a:r>
+            <a:r>
+              <a:rPr lang="en-US" dirty="0" smtClean="0"/>
+              <a:t> </a:t>
+            </a:r>
+            <a:r>
+              <a:rPr lang="en-US" dirty="0" err="1" smtClean="0"/>
+              <a:t>dahulu</a:t>
+            </a:r>
+            <a:r>
+              <a:rPr lang="en-US" dirty="0" smtClean="0"/>
+              <a:t> proses </a:t>
+            </a:r>
+            <a:r>
               <a:rPr lang="en-US" i="1" dirty="0" smtClean="0"/>
-              <a:t>declarative pattern </a:t>
-            </a:r>
-            <a:endParaRPr lang="en-US" dirty="0" smtClean="0"/>
+              <a:t>Blocking. </a:t>
+            </a:r>
+            <a:r>
+              <a:rPr lang="en-US" dirty="0" err="1" smtClean="0"/>
+              <a:t>Berikut</a:t>
+            </a:r>
+            <a:r>
+              <a:rPr lang="en-US" dirty="0" smtClean="0"/>
+              <a:t> </a:t>
+            </a:r>
+            <a:r>
+              <a:rPr lang="en-US" dirty="0" err="1" smtClean="0"/>
+              <a:t>contoh</a:t>
+            </a:r>
+            <a:r>
+              <a:rPr lang="en-US" dirty="0" smtClean="0"/>
+              <a:t> </a:t>
+            </a:r>
+            <a:r>
+              <a:rPr lang="en-US" dirty="0" err="1" smtClean="0"/>
+              <a:t>scriptnya</a:t>
+            </a:r>
+            <a:r>
+              <a:rPr lang="en-US" dirty="0" smtClean="0"/>
+              <a:t>.</a:t>
+            </a:r>
           </a:p>
         </p:txBody>
       </p:sp>
@@ -20964,8 +21660,477 @@
         </p:blipFill>
         <p:spPr>
           <a:xfrm>
-            <a:off x="2804536" y="1748413"/>
-            <a:ext cx="3695700" cy="2981325"/>
+            <a:off x="1409700" y="1793474"/>
+            <a:ext cx="6324600" cy="1114425"/>
+          </a:xfrm>
+          <a:prstGeom prst="rect">
+            <a:avLst/>
+          </a:prstGeom>
+        </p:spPr>
+      </p:pic>
+      <p:sp>
+        <p:nvSpPr>
+          <p:cNvPr id="6" name="Text Placeholder 2"/>
+          <p:cNvSpPr txBox="1">
+            <a:spLocks/>
+          </p:cNvSpPr>
+          <p:nvPr/>
+        </p:nvSpPr>
+        <p:spPr>
+          <a:xfrm>
+            <a:off x="709036" y="2993152"/>
+            <a:ext cx="7886700" cy="543868"/>
+          </a:xfrm>
+          <a:prstGeom prst="rect">
+            <a:avLst/>
+          </a:prstGeom>
+          <a:noFill/>
+          <a:ln>
+            <a:noFill/>
+          </a:ln>
+        </p:spPr>
+        <p:txBody>
+          <a:bodyPr spcFirstLastPara="1" wrap="square" lIns="68575" tIns="34275" rIns="68575" bIns="34275" anchor="t" anchorCtr="0">
+            <a:noAutofit/>
+          </a:bodyPr>
+          <a:lstStyle>
+            <a:defPPr marR="0" lvl="0" algn="l" rtl="0">
+              <a:lnSpc>
+                <a:spcPct val="100000"/>
+              </a:lnSpc>
+              <a:spcBef>
+                <a:spcPts val="0"/>
+              </a:spcBef>
+              <a:spcAft>
+                <a:spcPts val="0"/>
+              </a:spcAft>
+            </a:defPPr>
+            <a:lvl1pPr marL="457200" marR="0" lvl="0" indent="-361950" algn="l" rtl="0">
+              <a:lnSpc>
+                <a:spcPct val="90000"/>
+              </a:lnSpc>
+              <a:spcBef>
+                <a:spcPts val="800"/>
+              </a:spcBef>
+              <a:spcAft>
+                <a:spcPts val="0"/>
+              </a:spcAft>
+              <a:buClr>
+                <a:schemeClr val="bg1"/>
+              </a:buClr>
+              <a:buSzPct val="100000"/>
+              <a:buFont typeface="Arial"/>
+              <a:buChar char="•"/>
+              <a:defRPr sz="1200" b="0" i="0" u="none" strike="noStrike" cap="none">
+                <a:solidFill>
+                  <a:schemeClr val="bg1"/>
+                </a:solidFill>
+                <a:latin typeface="Calibri"/>
+                <a:ea typeface="Calibri"/>
+                <a:cs typeface="Calibri"/>
+                <a:sym typeface="Calibri"/>
+              </a:defRPr>
+            </a:lvl1pPr>
+            <a:lvl2pPr marL="914400" marR="0" lvl="1" indent="-342900" algn="l" rtl="0">
+              <a:lnSpc>
+                <a:spcPct val="90000"/>
+              </a:lnSpc>
+              <a:spcBef>
+                <a:spcPts val="400"/>
+              </a:spcBef>
+              <a:spcAft>
+                <a:spcPts val="0"/>
+              </a:spcAft>
+              <a:buClr>
+                <a:schemeClr val="dk1"/>
+              </a:buClr>
+              <a:buSzPts val="1800"/>
+              <a:buFont typeface="Arial"/>
+              <a:buChar char="•"/>
+              <a:defRPr sz="1800" b="0" i="0" u="none" strike="noStrike" cap="none">
+                <a:solidFill>
+                  <a:schemeClr val="dk1"/>
+                </a:solidFill>
+                <a:latin typeface="Calibri"/>
+                <a:ea typeface="Calibri"/>
+                <a:cs typeface="Calibri"/>
+                <a:sym typeface="Calibri"/>
+              </a:defRPr>
+            </a:lvl2pPr>
+            <a:lvl3pPr marL="1371600" marR="0" lvl="2" indent="-323850" algn="l" rtl="0">
+              <a:lnSpc>
+                <a:spcPct val="90000"/>
+              </a:lnSpc>
+              <a:spcBef>
+                <a:spcPts val="400"/>
+              </a:spcBef>
+              <a:spcAft>
+                <a:spcPts val="0"/>
+              </a:spcAft>
+              <a:buClr>
+                <a:schemeClr val="dk1"/>
+              </a:buClr>
+              <a:buSzPts val="1500"/>
+              <a:buFont typeface="Arial"/>
+              <a:buChar char="•"/>
+              <a:defRPr sz="1500" b="0" i="0" u="none" strike="noStrike" cap="none">
+                <a:solidFill>
+                  <a:schemeClr val="dk1"/>
+                </a:solidFill>
+                <a:latin typeface="Calibri"/>
+                <a:ea typeface="Calibri"/>
+                <a:cs typeface="Calibri"/>
+                <a:sym typeface="Calibri"/>
+              </a:defRPr>
+            </a:lvl3pPr>
+            <a:lvl4pPr marL="1828800" marR="0" lvl="3" indent="-317500" algn="l" rtl="0">
+              <a:lnSpc>
+                <a:spcPct val="90000"/>
+              </a:lnSpc>
+              <a:spcBef>
+                <a:spcPts val="400"/>
+              </a:spcBef>
+              <a:spcAft>
+                <a:spcPts val="0"/>
+              </a:spcAft>
+              <a:buClr>
+                <a:schemeClr val="dk1"/>
+              </a:buClr>
+              <a:buSzPts val="1400"/>
+              <a:buFont typeface="Arial"/>
+              <a:buChar char="•"/>
+              <a:defRPr sz="1400" b="0" i="0" u="none" strike="noStrike" cap="none">
+                <a:solidFill>
+                  <a:schemeClr val="dk1"/>
+                </a:solidFill>
+                <a:latin typeface="Calibri"/>
+                <a:ea typeface="Calibri"/>
+                <a:cs typeface="Calibri"/>
+                <a:sym typeface="Calibri"/>
+              </a:defRPr>
+            </a:lvl4pPr>
+            <a:lvl5pPr marL="2286000" marR="0" lvl="4" indent="-317500" algn="l" rtl="0">
+              <a:lnSpc>
+                <a:spcPct val="90000"/>
+              </a:lnSpc>
+              <a:spcBef>
+                <a:spcPts val="400"/>
+              </a:spcBef>
+              <a:spcAft>
+                <a:spcPts val="0"/>
+              </a:spcAft>
+              <a:buClr>
+                <a:schemeClr val="dk1"/>
+              </a:buClr>
+              <a:buSzPts val="1400"/>
+              <a:buFont typeface="Arial"/>
+              <a:buChar char="•"/>
+              <a:defRPr sz="1400" b="0" i="0" u="none" strike="noStrike" cap="none">
+                <a:solidFill>
+                  <a:schemeClr val="dk1"/>
+                </a:solidFill>
+                <a:latin typeface="Calibri"/>
+                <a:ea typeface="Calibri"/>
+                <a:cs typeface="Calibri"/>
+                <a:sym typeface="Calibri"/>
+              </a:defRPr>
+            </a:lvl5pPr>
+            <a:lvl6pPr marL="2743200" marR="0" lvl="5" indent="-317500" algn="l" rtl="0">
+              <a:lnSpc>
+                <a:spcPct val="90000"/>
+              </a:lnSpc>
+              <a:spcBef>
+                <a:spcPts val="400"/>
+              </a:spcBef>
+              <a:spcAft>
+                <a:spcPts val="0"/>
+              </a:spcAft>
+              <a:buClr>
+                <a:schemeClr val="dk1"/>
+              </a:buClr>
+              <a:buSzPts val="1400"/>
+              <a:buFont typeface="Arial"/>
+              <a:buChar char="•"/>
+              <a:defRPr sz="1400" b="0" i="0" u="none" strike="noStrike" cap="none">
+                <a:solidFill>
+                  <a:schemeClr val="dk1"/>
+                </a:solidFill>
+                <a:latin typeface="Calibri"/>
+                <a:ea typeface="Calibri"/>
+                <a:cs typeface="Calibri"/>
+                <a:sym typeface="Calibri"/>
+              </a:defRPr>
+            </a:lvl6pPr>
+            <a:lvl7pPr marL="3200400" marR="0" lvl="6" indent="-317500" algn="l" rtl="0">
+              <a:lnSpc>
+                <a:spcPct val="90000"/>
+              </a:lnSpc>
+              <a:spcBef>
+                <a:spcPts val="400"/>
+              </a:spcBef>
+              <a:spcAft>
+                <a:spcPts val="0"/>
+              </a:spcAft>
+              <a:buClr>
+                <a:schemeClr val="dk1"/>
+              </a:buClr>
+              <a:buSzPts val="1400"/>
+              <a:buFont typeface="Arial"/>
+              <a:buChar char="•"/>
+              <a:defRPr sz="1400" b="0" i="0" u="none" strike="noStrike" cap="none">
+                <a:solidFill>
+                  <a:schemeClr val="dk1"/>
+                </a:solidFill>
+                <a:latin typeface="Calibri"/>
+                <a:ea typeface="Calibri"/>
+                <a:cs typeface="Calibri"/>
+                <a:sym typeface="Calibri"/>
+              </a:defRPr>
+            </a:lvl7pPr>
+            <a:lvl8pPr marL="3657600" marR="0" lvl="7" indent="-317500" algn="l" rtl="0">
+              <a:lnSpc>
+                <a:spcPct val="90000"/>
+              </a:lnSpc>
+              <a:spcBef>
+                <a:spcPts val="400"/>
+              </a:spcBef>
+              <a:spcAft>
+                <a:spcPts val="0"/>
+              </a:spcAft>
+              <a:buClr>
+                <a:schemeClr val="dk1"/>
+              </a:buClr>
+              <a:buSzPts val="1400"/>
+              <a:buFont typeface="Arial"/>
+              <a:buChar char="•"/>
+              <a:defRPr sz="1400" b="0" i="0" u="none" strike="noStrike" cap="none">
+                <a:solidFill>
+                  <a:schemeClr val="dk1"/>
+                </a:solidFill>
+                <a:latin typeface="Calibri"/>
+                <a:ea typeface="Calibri"/>
+                <a:cs typeface="Calibri"/>
+                <a:sym typeface="Calibri"/>
+              </a:defRPr>
+            </a:lvl8pPr>
+            <a:lvl9pPr marL="4114800" marR="0" lvl="8" indent="-317500" algn="l" rtl="0">
+              <a:lnSpc>
+                <a:spcPct val="90000"/>
+              </a:lnSpc>
+              <a:spcBef>
+                <a:spcPts val="400"/>
+              </a:spcBef>
+              <a:spcAft>
+                <a:spcPts val="0"/>
+              </a:spcAft>
+              <a:buClr>
+                <a:schemeClr val="dk1"/>
+              </a:buClr>
+              <a:buSzPts val="1400"/>
+              <a:buFont typeface="Arial"/>
+              <a:buChar char="•"/>
+              <a:defRPr sz="1400" b="0" i="0" u="none" strike="noStrike" cap="none">
+                <a:solidFill>
+                  <a:schemeClr val="dk1"/>
+                </a:solidFill>
+                <a:latin typeface="Calibri"/>
+                <a:ea typeface="Calibri"/>
+                <a:cs typeface="Calibri"/>
+                <a:sym typeface="Calibri"/>
+              </a:defRPr>
+            </a:lvl9pPr>
+          </a:lstStyle>
+          <a:p>
+            <a:pPr marL="95250" indent="0">
+              <a:buFont typeface="Arial"/>
+              <a:buNone/>
+            </a:pPr>
+            <a:r>
+              <a:rPr lang="en-US" dirty="0" err="1" smtClean="0"/>
+              <a:t>Perintah</a:t>
+            </a:r>
+            <a:r>
+              <a:rPr lang="en-US" dirty="0" smtClean="0"/>
+              <a:t> </a:t>
+            </a:r>
+            <a:r>
+              <a:rPr lang="en-US" dirty="0" err="1" smtClean="0"/>
+              <a:t>membaca</a:t>
+            </a:r>
+            <a:r>
+              <a:rPr lang="en-US" dirty="0" smtClean="0"/>
+              <a:t> file file.md </a:t>
+            </a:r>
+            <a:r>
+              <a:rPr lang="en-US" dirty="0" err="1" smtClean="0"/>
+              <a:t>akan</a:t>
+            </a:r>
+            <a:r>
+              <a:rPr lang="en-US" dirty="0" smtClean="0"/>
+              <a:t> </a:t>
+            </a:r>
+            <a:r>
+              <a:rPr lang="en-US" dirty="0" err="1" smtClean="0"/>
+              <a:t>memblok</a:t>
+            </a:r>
+            <a:r>
+              <a:rPr lang="en-US" dirty="0" smtClean="0"/>
+              <a:t> </a:t>
+            </a:r>
+            <a:r>
+              <a:rPr lang="en-US" dirty="0" err="1" smtClean="0"/>
+              <a:t>perintah</a:t>
+            </a:r>
+            <a:r>
+              <a:rPr lang="en-US" dirty="0" smtClean="0"/>
+              <a:t> </a:t>
+            </a:r>
+            <a:r>
+              <a:rPr lang="en-US" dirty="0" err="1" smtClean="0"/>
+              <a:t>selanjutnya</a:t>
+            </a:r>
+            <a:r>
+              <a:rPr lang="en-US" dirty="0" smtClean="0"/>
+              <a:t>, </a:t>
+            </a:r>
+            <a:r>
+              <a:rPr lang="en-US" dirty="0" err="1" smtClean="0"/>
+              <a:t>dengan</a:t>
+            </a:r>
+            <a:r>
+              <a:rPr lang="en-US" dirty="0" smtClean="0"/>
+              <a:t> kata lain </a:t>
+            </a:r>
+            <a:r>
+              <a:rPr lang="en-US" dirty="0" err="1" smtClean="0"/>
+              <a:t>perintah</a:t>
+            </a:r>
+            <a:r>
+              <a:rPr lang="en-US" dirty="0" smtClean="0"/>
+              <a:t> </a:t>
+            </a:r>
+            <a:r>
+              <a:rPr lang="en-US" dirty="0" err="1" smtClean="0"/>
+              <a:t>dibawhanya</a:t>
+            </a:r>
+            <a:r>
+              <a:rPr lang="en-US" dirty="0" smtClean="0"/>
+              <a:t> </a:t>
+            </a:r>
+            <a:r>
+              <a:rPr lang="en-US" dirty="0" err="1" smtClean="0"/>
+              <a:t>berjalan</a:t>
+            </a:r>
+            <a:r>
+              <a:rPr lang="en-US" dirty="0" smtClean="0"/>
+              <a:t> </a:t>
+            </a:r>
+            <a:r>
+              <a:rPr lang="en-US" dirty="0" err="1" smtClean="0"/>
+              <a:t>setelah</a:t>
+            </a:r>
+            <a:r>
+              <a:rPr lang="en-US" dirty="0" smtClean="0"/>
+              <a:t> </a:t>
+            </a:r>
+            <a:r>
+              <a:rPr lang="en-US" dirty="0" err="1" smtClean="0"/>
+              <a:t>perintah</a:t>
+            </a:r>
+            <a:r>
+              <a:rPr lang="en-US" dirty="0" smtClean="0"/>
+              <a:t> </a:t>
+            </a:r>
+            <a:r>
+              <a:rPr lang="en-US" dirty="0" err="1" smtClean="0"/>
+              <a:t>diatasnya</a:t>
+            </a:r>
+            <a:r>
+              <a:rPr lang="en-US" dirty="0" smtClean="0"/>
+              <a:t> </a:t>
+            </a:r>
+            <a:r>
+              <a:rPr lang="en-US" dirty="0" err="1" smtClean="0"/>
+              <a:t>sudah</a:t>
+            </a:r>
+            <a:r>
+              <a:rPr lang="en-US" dirty="0" smtClean="0"/>
+              <a:t> </a:t>
+            </a:r>
+            <a:r>
+              <a:rPr lang="en-US" dirty="0" err="1" smtClean="0"/>
+              <a:t>selesai</a:t>
+            </a:r>
+            <a:r>
+              <a:rPr lang="en-US" dirty="0" smtClean="0"/>
+              <a:t>. </a:t>
+            </a:r>
+            <a:r>
+              <a:rPr lang="en-US" dirty="0" err="1" smtClean="0"/>
+              <a:t>Ketika</a:t>
+            </a:r>
+            <a:r>
+              <a:rPr lang="en-US" dirty="0" smtClean="0"/>
+              <a:t> </a:t>
+            </a:r>
+            <a:r>
+              <a:rPr lang="en-US" dirty="0" err="1" smtClean="0"/>
+              <a:t>dijalankan</a:t>
+            </a:r>
+            <a:r>
+              <a:rPr lang="en-US" dirty="0" smtClean="0"/>
+              <a:t> </a:t>
+            </a:r>
+            <a:r>
+              <a:rPr lang="en-US" dirty="0" err="1" smtClean="0"/>
+              <a:t>akan</a:t>
+            </a:r>
+            <a:r>
+              <a:rPr lang="en-US" dirty="0" smtClean="0"/>
+              <a:t> </a:t>
+            </a:r>
+            <a:r>
+              <a:rPr lang="en-US" dirty="0" err="1" smtClean="0"/>
+              <a:t>menghasilkan</a:t>
+            </a:r>
+            <a:r>
+              <a:rPr lang="en-US" dirty="0" smtClean="0"/>
+              <a:t> output </a:t>
+            </a:r>
+            <a:r>
+              <a:rPr lang="en-US" dirty="0" err="1" smtClean="0"/>
+              <a:t>seperti</a:t>
+            </a:r>
+            <a:r>
+              <a:rPr lang="en-US" dirty="0" smtClean="0"/>
+              <a:t> </a:t>
+            </a:r>
+            <a:r>
+              <a:rPr lang="en-US" dirty="0" err="1" smtClean="0"/>
+              <a:t>berikut</a:t>
+            </a:r>
+            <a:endParaRPr lang="en-US" dirty="0" smtClean="0"/>
+          </a:p>
+        </p:txBody>
+      </p:sp>
+      <p:pic>
+        <p:nvPicPr>
+          <p:cNvPr id="5" name="Picture 4"/>
+          <p:cNvPicPr>
+            <a:picLocks noChangeAspect="1"/>
+          </p:cNvPicPr>
+          <p:nvPr/>
+        </p:nvPicPr>
+        <p:blipFill>
+          <a:blip r:embed="rId3"/>
+          <a:stretch>
+            <a:fillRect/>
+          </a:stretch>
+        </p:blipFill>
+        <p:spPr>
+          <a:xfrm>
+            <a:off x="2290762" y="3537020"/>
+            <a:ext cx="4562475" cy="666750"/>
           </a:xfrm>
           <a:prstGeom prst="rect">
             <a:avLst/>
@@ -20975,7 +22140,7 @@
     </p:spTree>
     <p:extLst>
       <p:ext uri="{BB962C8B-B14F-4D97-AF65-F5344CB8AC3E}">
-        <p14:creationId xmlns:p14="http://schemas.microsoft.com/office/powerpoint/2010/main" val="56328019"/>
+        <p14:creationId xmlns:p14="http://schemas.microsoft.com/office/powerpoint/2010/main" val="1549518000"/>
       </p:ext>
     </p:extLst>
   </p:cSld>
@@ -21026,8 +22191,12 @@
           <a:p>
             <a:pPr algn="ctr"/>
             <a:r>
-              <a:rPr lang="en-US" i="1" dirty="0" smtClean="0"/>
-              <a:t>Array Function</a:t>
+              <a:rPr lang="en-US" sz="3600" i="1" dirty="0" smtClean="0">
+                <a:solidFill>
+                  <a:schemeClr val="lt1"/>
+                </a:solidFill>
+              </a:rPr>
+              <a:t>Asynchronous</a:t>
             </a:r>
             <a:endParaRPr lang="en-US" i="1" dirty="0"/>
           </a:p>
@@ -21046,7 +22215,7 @@
         <p:spPr>
           <a:xfrm>
             <a:off x="709036" y="1351765"/>
-            <a:ext cx="7886700" cy="1743128"/>
+            <a:ext cx="7886700" cy="356456"/>
           </a:xfrm>
         </p:spPr>
         <p:txBody>
@@ -21058,15 +22227,451 @@
             </a:pPr>
             <a:r>
               <a:rPr lang="en-US" dirty="0" err="1" smtClean="0"/>
-              <a:t>Contoh</a:t>
+              <a:t>Selanjutnya</a:t>
             </a:r>
             <a:r>
               <a:rPr lang="en-US" dirty="0" smtClean="0"/>
               <a:t> </a:t>
             </a:r>
             <a:r>
+              <a:rPr lang="en-US" dirty="0" err="1" smtClean="0"/>
+              <a:t>untuk</a:t>
+            </a:r>
+            <a:r>
+              <a:rPr lang="en-US" dirty="0" smtClean="0"/>
+              <a:t> </a:t>
+            </a:r>
+            <a:r>
+              <a:rPr lang="en-US" dirty="0" err="1" smtClean="0"/>
+              <a:t>contoh</a:t>
+            </a:r>
+            <a:r>
+              <a:rPr lang="en-US" dirty="0" smtClean="0"/>
+              <a:t> script </a:t>
+            </a:r>
+            <a:r>
               <a:rPr lang="en-US" i="1" dirty="0" smtClean="0"/>
-              <a:t>methods Array </a:t>
+              <a:t>asynchronous </a:t>
+            </a:r>
+            <a:r>
+              <a:rPr lang="en-US" dirty="0" smtClean="0"/>
+              <a:t>di </a:t>
+            </a:r>
+            <a:r>
+              <a:rPr lang="en-US" dirty="0" err="1" smtClean="0"/>
+              <a:t>javascript</a:t>
+            </a:r>
+            <a:r>
+              <a:rPr lang="en-US" dirty="0" smtClean="0"/>
+              <a:t> </a:t>
+            </a:r>
+            <a:r>
+              <a:rPr lang="en-US" dirty="0" err="1" smtClean="0"/>
+              <a:t>sebagai</a:t>
+            </a:r>
+            <a:r>
+              <a:rPr lang="en-US" dirty="0" smtClean="0"/>
+              <a:t> </a:t>
+            </a:r>
+            <a:r>
+              <a:rPr lang="en-US" dirty="0" err="1" smtClean="0"/>
+              <a:t>berikut</a:t>
+            </a:r>
+            <a:r>
+              <a:rPr lang="en-US" dirty="0" smtClean="0"/>
+              <a:t>.</a:t>
+            </a:r>
+          </a:p>
+        </p:txBody>
+      </p:sp>
+      <p:pic>
+        <p:nvPicPr>
+          <p:cNvPr id="7" name="Picture 6"/>
+          <p:cNvPicPr>
+            <a:picLocks noChangeAspect="1"/>
+          </p:cNvPicPr>
+          <p:nvPr/>
+        </p:nvPicPr>
+        <p:blipFill>
+          <a:blip r:embed="rId2"/>
+          <a:stretch>
+            <a:fillRect/>
+          </a:stretch>
+        </p:blipFill>
+        <p:spPr>
+          <a:xfrm>
+            <a:off x="2138362" y="1857375"/>
+            <a:ext cx="4867275" cy="1428750"/>
+          </a:xfrm>
+          <a:prstGeom prst="rect">
+            <a:avLst/>
+          </a:prstGeom>
+        </p:spPr>
+      </p:pic>
+      <p:pic>
+        <p:nvPicPr>
+          <p:cNvPr id="8" name="Picture 7"/>
+          <p:cNvPicPr>
+            <a:picLocks noChangeAspect="1"/>
+          </p:cNvPicPr>
+          <p:nvPr/>
+        </p:nvPicPr>
+        <p:blipFill>
+          <a:blip r:embed="rId3"/>
+          <a:stretch>
+            <a:fillRect/>
+          </a:stretch>
+        </p:blipFill>
+        <p:spPr>
+          <a:xfrm>
+            <a:off x="2247323" y="3979879"/>
+            <a:ext cx="4810125" cy="781050"/>
+          </a:xfrm>
+          <a:prstGeom prst="rect">
+            <a:avLst/>
+          </a:prstGeom>
+        </p:spPr>
+      </p:pic>
+      <p:sp>
+        <p:nvSpPr>
+          <p:cNvPr id="9" name="Text Placeholder 2"/>
+          <p:cNvSpPr txBox="1">
+            <a:spLocks/>
+          </p:cNvSpPr>
+          <p:nvPr/>
+        </p:nvSpPr>
+        <p:spPr>
+          <a:xfrm>
+            <a:off x="628650" y="3435278"/>
+            <a:ext cx="7886700" cy="544601"/>
+          </a:xfrm>
+          <a:prstGeom prst="rect">
+            <a:avLst/>
+          </a:prstGeom>
+          <a:noFill/>
+          <a:ln>
+            <a:noFill/>
+          </a:ln>
+        </p:spPr>
+        <p:txBody>
+          <a:bodyPr spcFirstLastPara="1" wrap="square" lIns="68575" tIns="34275" rIns="68575" bIns="34275" anchor="t" anchorCtr="0">
+            <a:noAutofit/>
+          </a:bodyPr>
+          <a:lstStyle>
+            <a:defPPr marR="0" lvl="0" algn="l" rtl="0">
+              <a:lnSpc>
+                <a:spcPct val="100000"/>
+              </a:lnSpc>
+              <a:spcBef>
+                <a:spcPts val="0"/>
+              </a:spcBef>
+              <a:spcAft>
+                <a:spcPts val="0"/>
+              </a:spcAft>
+            </a:defPPr>
+            <a:lvl1pPr marL="457200" marR="0" lvl="0" indent="-361950" algn="l" rtl="0">
+              <a:lnSpc>
+                <a:spcPct val="90000"/>
+              </a:lnSpc>
+              <a:spcBef>
+                <a:spcPts val="800"/>
+              </a:spcBef>
+              <a:spcAft>
+                <a:spcPts val="0"/>
+              </a:spcAft>
+              <a:buClr>
+                <a:schemeClr val="bg1"/>
+              </a:buClr>
+              <a:buSzPct val="100000"/>
+              <a:buFont typeface="Arial"/>
+              <a:buChar char="•"/>
+              <a:defRPr sz="1200" b="0" i="0" u="none" strike="noStrike" cap="none">
+                <a:solidFill>
+                  <a:schemeClr val="bg1"/>
+                </a:solidFill>
+                <a:latin typeface="Calibri"/>
+                <a:ea typeface="Calibri"/>
+                <a:cs typeface="Calibri"/>
+                <a:sym typeface="Calibri"/>
+              </a:defRPr>
+            </a:lvl1pPr>
+            <a:lvl2pPr marL="914400" marR="0" lvl="1" indent="-342900" algn="l" rtl="0">
+              <a:lnSpc>
+                <a:spcPct val="90000"/>
+              </a:lnSpc>
+              <a:spcBef>
+                <a:spcPts val="400"/>
+              </a:spcBef>
+              <a:spcAft>
+                <a:spcPts val="0"/>
+              </a:spcAft>
+              <a:buClr>
+                <a:schemeClr val="dk1"/>
+              </a:buClr>
+              <a:buSzPts val="1800"/>
+              <a:buFont typeface="Arial"/>
+              <a:buChar char="•"/>
+              <a:defRPr sz="1800" b="0" i="0" u="none" strike="noStrike" cap="none">
+                <a:solidFill>
+                  <a:schemeClr val="dk1"/>
+                </a:solidFill>
+                <a:latin typeface="Calibri"/>
+                <a:ea typeface="Calibri"/>
+                <a:cs typeface="Calibri"/>
+                <a:sym typeface="Calibri"/>
+              </a:defRPr>
+            </a:lvl2pPr>
+            <a:lvl3pPr marL="1371600" marR="0" lvl="2" indent="-323850" algn="l" rtl="0">
+              <a:lnSpc>
+                <a:spcPct val="90000"/>
+              </a:lnSpc>
+              <a:spcBef>
+                <a:spcPts val="400"/>
+              </a:spcBef>
+              <a:spcAft>
+                <a:spcPts val="0"/>
+              </a:spcAft>
+              <a:buClr>
+                <a:schemeClr val="dk1"/>
+              </a:buClr>
+              <a:buSzPts val="1500"/>
+              <a:buFont typeface="Arial"/>
+              <a:buChar char="•"/>
+              <a:defRPr sz="1500" b="0" i="0" u="none" strike="noStrike" cap="none">
+                <a:solidFill>
+                  <a:schemeClr val="dk1"/>
+                </a:solidFill>
+                <a:latin typeface="Calibri"/>
+                <a:ea typeface="Calibri"/>
+                <a:cs typeface="Calibri"/>
+                <a:sym typeface="Calibri"/>
+              </a:defRPr>
+            </a:lvl3pPr>
+            <a:lvl4pPr marL="1828800" marR="0" lvl="3" indent="-317500" algn="l" rtl="0">
+              <a:lnSpc>
+                <a:spcPct val="90000"/>
+              </a:lnSpc>
+              <a:spcBef>
+                <a:spcPts val="400"/>
+              </a:spcBef>
+              <a:spcAft>
+                <a:spcPts val="0"/>
+              </a:spcAft>
+              <a:buClr>
+                <a:schemeClr val="dk1"/>
+              </a:buClr>
+              <a:buSzPts val="1400"/>
+              <a:buFont typeface="Arial"/>
+              <a:buChar char="•"/>
+              <a:defRPr sz="1400" b="0" i="0" u="none" strike="noStrike" cap="none">
+                <a:solidFill>
+                  <a:schemeClr val="dk1"/>
+                </a:solidFill>
+                <a:latin typeface="Calibri"/>
+                <a:ea typeface="Calibri"/>
+                <a:cs typeface="Calibri"/>
+                <a:sym typeface="Calibri"/>
+              </a:defRPr>
+            </a:lvl4pPr>
+            <a:lvl5pPr marL="2286000" marR="0" lvl="4" indent="-317500" algn="l" rtl="0">
+              <a:lnSpc>
+                <a:spcPct val="90000"/>
+              </a:lnSpc>
+              <a:spcBef>
+                <a:spcPts val="400"/>
+              </a:spcBef>
+              <a:spcAft>
+                <a:spcPts val="0"/>
+              </a:spcAft>
+              <a:buClr>
+                <a:schemeClr val="dk1"/>
+              </a:buClr>
+              <a:buSzPts val="1400"/>
+              <a:buFont typeface="Arial"/>
+              <a:buChar char="•"/>
+              <a:defRPr sz="1400" b="0" i="0" u="none" strike="noStrike" cap="none">
+                <a:solidFill>
+                  <a:schemeClr val="dk1"/>
+                </a:solidFill>
+                <a:latin typeface="Calibri"/>
+                <a:ea typeface="Calibri"/>
+                <a:cs typeface="Calibri"/>
+                <a:sym typeface="Calibri"/>
+              </a:defRPr>
+            </a:lvl5pPr>
+            <a:lvl6pPr marL="2743200" marR="0" lvl="5" indent="-317500" algn="l" rtl="0">
+              <a:lnSpc>
+                <a:spcPct val="90000"/>
+              </a:lnSpc>
+              <a:spcBef>
+                <a:spcPts val="400"/>
+              </a:spcBef>
+              <a:spcAft>
+                <a:spcPts val="0"/>
+              </a:spcAft>
+              <a:buClr>
+                <a:schemeClr val="dk1"/>
+              </a:buClr>
+              <a:buSzPts val="1400"/>
+              <a:buFont typeface="Arial"/>
+              <a:buChar char="•"/>
+              <a:defRPr sz="1400" b="0" i="0" u="none" strike="noStrike" cap="none">
+                <a:solidFill>
+                  <a:schemeClr val="dk1"/>
+                </a:solidFill>
+                <a:latin typeface="Calibri"/>
+                <a:ea typeface="Calibri"/>
+                <a:cs typeface="Calibri"/>
+                <a:sym typeface="Calibri"/>
+              </a:defRPr>
+            </a:lvl6pPr>
+            <a:lvl7pPr marL="3200400" marR="0" lvl="6" indent="-317500" algn="l" rtl="0">
+              <a:lnSpc>
+                <a:spcPct val="90000"/>
+              </a:lnSpc>
+              <a:spcBef>
+                <a:spcPts val="400"/>
+              </a:spcBef>
+              <a:spcAft>
+                <a:spcPts val="0"/>
+              </a:spcAft>
+              <a:buClr>
+                <a:schemeClr val="dk1"/>
+              </a:buClr>
+              <a:buSzPts val="1400"/>
+              <a:buFont typeface="Arial"/>
+              <a:buChar char="•"/>
+              <a:defRPr sz="1400" b="0" i="0" u="none" strike="noStrike" cap="none">
+                <a:solidFill>
+                  <a:schemeClr val="dk1"/>
+                </a:solidFill>
+                <a:latin typeface="Calibri"/>
+                <a:ea typeface="Calibri"/>
+                <a:cs typeface="Calibri"/>
+                <a:sym typeface="Calibri"/>
+              </a:defRPr>
+            </a:lvl7pPr>
+            <a:lvl8pPr marL="3657600" marR="0" lvl="7" indent="-317500" algn="l" rtl="0">
+              <a:lnSpc>
+                <a:spcPct val="90000"/>
+              </a:lnSpc>
+              <a:spcBef>
+                <a:spcPts val="400"/>
+              </a:spcBef>
+              <a:spcAft>
+                <a:spcPts val="0"/>
+              </a:spcAft>
+              <a:buClr>
+                <a:schemeClr val="dk1"/>
+              </a:buClr>
+              <a:buSzPts val="1400"/>
+              <a:buFont typeface="Arial"/>
+              <a:buChar char="•"/>
+              <a:defRPr sz="1400" b="0" i="0" u="none" strike="noStrike" cap="none">
+                <a:solidFill>
+                  <a:schemeClr val="dk1"/>
+                </a:solidFill>
+                <a:latin typeface="Calibri"/>
+                <a:ea typeface="Calibri"/>
+                <a:cs typeface="Calibri"/>
+                <a:sym typeface="Calibri"/>
+              </a:defRPr>
+            </a:lvl8pPr>
+            <a:lvl9pPr marL="4114800" marR="0" lvl="8" indent="-317500" algn="l" rtl="0">
+              <a:lnSpc>
+                <a:spcPct val="90000"/>
+              </a:lnSpc>
+              <a:spcBef>
+                <a:spcPts val="400"/>
+              </a:spcBef>
+              <a:spcAft>
+                <a:spcPts val="0"/>
+              </a:spcAft>
+              <a:buClr>
+                <a:schemeClr val="dk1"/>
+              </a:buClr>
+              <a:buSzPts val="1400"/>
+              <a:buFont typeface="Arial"/>
+              <a:buChar char="•"/>
+              <a:defRPr sz="1400" b="0" i="0" u="none" strike="noStrike" cap="none">
+                <a:solidFill>
+                  <a:schemeClr val="dk1"/>
+                </a:solidFill>
+                <a:latin typeface="Calibri"/>
+                <a:ea typeface="Calibri"/>
+                <a:cs typeface="Calibri"/>
+                <a:sym typeface="Calibri"/>
+              </a:defRPr>
+            </a:lvl9pPr>
+          </a:lstStyle>
+          <a:p>
+            <a:pPr marL="95250" indent="0">
+              <a:buFont typeface="Arial"/>
+              <a:buNone/>
+            </a:pPr>
+            <a:r>
+              <a:rPr lang="en-US" dirty="0" err="1" smtClean="0"/>
+              <a:t>Ketika</a:t>
+            </a:r>
+            <a:r>
+              <a:rPr lang="en-US" dirty="0" smtClean="0"/>
+              <a:t> </a:t>
+            </a:r>
+            <a:r>
+              <a:rPr lang="en-US" dirty="0" err="1" smtClean="0"/>
+              <a:t>dijalankan</a:t>
+            </a:r>
+            <a:r>
+              <a:rPr lang="en-US" dirty="0" smtClean="0"/>
+              <a:t> </a:t>
+            </a:r>
+            <a:r>
+              <a:rPr lang="en-US" dirty="0" err="1" smtClean="0"/>
+              <a:t>hasilnya</a:t>
+            </a:r>
+            <a:r>
+              <a:rPr lang="en-US" dirty="0" smtClean="0"/>
+              <a:t> </a:t>
+            </a:r>
+            <a:r>
+              <a:rPr lang="en-US" dirty="0" err="1" smtClean="0"/>
+              <a:t>berbeda</a:t>
+            </a:r>
+            <a:r>
+              <a:rPr lang="en-US" dirty="0" smtClean="0"/>
+              <a:t> </a:t>
+            </a:r>
+            <a:r>
+              <a:rPr lang="en-US" dirty="0" err="1" smtClean="0"/>
+              <a:t>dengan</a:t>
+            </a:r>
+            <a:r>
+              <a:rPr lang="en-US" dirty="0" smtClean="0"/>
+              <a:t> </a:t>
+            </a:r>
+            <a:r>
+              <a:rPr lang="en-US" i="1" dirty="0" smtClean="0"/>
+              <a:t>blocking </a:t>
+            </a:r>
+            <a:r>
+              <a:rPr lang="en-US" dirty="0" err="1" smtClean="0"/>
+              <a:t>karena</a:t>
+            </a:r>
+            <a:r>
+              <a:rPr lang="en-US" dirty="0" smtClean="0"/>
+              <a:t> </a:t>
+            </a:r>
+            <a:r>
+              <a:rPr lang="en-US" i="1" dirty="0" smtClean="0"/>
+              <a:t>asynchronous </a:t>
+            </a:r>
+            <a:r>
+              <a:rPr lang="en-US" dirty="0" err="1" smtClean="0"/>
+              <a:t>maka</a:t>
+            </a:r>
+            <a:r>
+              <a:rPr lang="en-US" dirty="0" smtClean="0"/>
+              <a:t> proses </a:t>
             </a:r>
             <a:r>
               <a:rPr lang="en-US" dirty="0" err="1" smtClean="0"/>
@@ -21074,11 +22679,11 @@
             </a:r>
             <a:r>
               <a:rPr lang="en-US" dirty="0" smtClean="0"/>
-              <a:t> yang </a:t>
+              <a:t> </a:t>
             </a:r>
             <a:r>
               <a:rPr lang="en-US" dirty="0" err="1" smtClean="0"/>
-              <a:t>dapat</a:t>
+              <a:t>akan</a:t>
             </a:r>
             <a:r>
               <a:rPr lang="en-US" dirty="0" smtClean="0"/>
@@ -21086,7 +22691,7 @@
             </a:r>
             <a:r>
               <a:rPr lang="en-US" dirty="0" err="1" smtClean="0"/>
-              <a:t>digunakan</a:t>
+              <a:t>berjalan</a:t>
             </a:r>
             <a:r>
               <a:rPr lang="en-US" dirty="0" smtClean="0"/>
@@ -21094,57 +22699,55 @@
             </a:r>
             <a:r>
               <a:rPr lang="en-US" dirty="0" err="1" smtClean="0"/>
-              <a:t>menggunakan</a:t>
+              <a:t>tanpa</a:t>
             </a:r>
             <a:r>
               <a:rPr lang="en-US" dirty="0" smtClean="0"/>
               <a:t> </a:t>
             </a:r>
             <a:r>
-              <a:rPr lang="en-US" i="1" dirty="0" smtClean="0"/>
-              <a:t>Functional Programming </a:t>
-            </a:r>
-            <a:r>
               <a:rPr lang="en-US" dirty="0" err="1" smtClean="0"/>
-              <a:t>adalah</a:t>
+              <a:t>menunggu</a:t>
             </a:r>
             <a:r>
               <a:rPr lang="en-US" dirty="0" smtClean="0"/>
-              <a:t>:</a:t>
-            </a:r>
-          </a:p>
-          <a:p>
+              <a:t> proses </a:t>
+            </a:r>
+            <a:r>
+              <a:rPr lang="en-US" dirty="0" err="1" smtClean="0"/>
+              <a:t>sebelumnya</a:t>
+            </a:r>
             <a:r>
               <a:rPr lang="en-US" dirty="0" smtClean="0"/>
-              <a:t>find</a:t>
-            </a:r>
-          </a:p>
-          <a:p>
+              <a:t> </a:t>
+            </a:r>
+            <a:r>
+              <a:rPr lang="en-US" dirty="0" err="1" smtClean="0"/>
+              <a:t>yaitu</a:t>
+            </a:r>
             <a:r>
               <a:rPr lang="en-US" dirty="0" smtClean="0"/>
-              <a:t>map</a:t>
-            </a:r>
-          </a:p>
-          <a:p>
+              <a:t> </a:t>
+            </a:r>
+            <a:r>
+              <a:rPr lang="en-US" dirty="0" err="1" smtClean="0"/>
+              <a:t>membaca</a:t>
+            </a:r>
             <a:r>
               <a:rPr lang="en-US" dirty="0" smtClean="0"/>
-              <a:t>reduc</a:t>
+              <a:t> file </a:t>
+            </a:r>
+            <a:r>
+              <a:rPr lang="en-US" b="1" dirty="0" smtClean="0"/>
+              <a:t>file.md </a:t>
+            </a:r>
+            <a:r>
+              <a:rPr lang="en-US" dirty="0" err="1" smtClean="0"/>
+              <a:t>selesai</a:t>
             </a:r>
             <a:r>
               <a:rPr lang="en-US" dirty="0" smtClean="0"/>
-              <a:t>e</a:t>
-            </a:r>
-          </a:p>
-          <a:p>
-            <a:r>
-              <a:rPr lang="en-US" dirty="0" smtClean="0"/>
-              <a:t>every</a:t>
-            </a:r>
-          </a:p>
-          <a:p>
-            <a:r>
-              <a:rPr lang="en-US" dirty="0" smtClean="0"/>
-              <a:t>some</a:t>
+              <a:t>.</a:t>
             </a:r>
             <a:endParaRPr lang="en-US" dirty="0" smtClean="0"/>
           </a:p>
@@ -21153,7 +22756,7 @@
     </p:spTree>
     <p:extLst>
       <p:ext uri="{BB962C8B-B14F-4D97-AF65-F5344CB8AC3E}">
-        <p14:creationId xmlns:p14="http://schemas.microsoft.com/office/powerpoint/2010/main" val="1779743514"/>
+        <p14:creationId xmlns:p14="http://schemas.microsoft.com/office/powerpoint/2010/main" val="3852536210"/>
       </p:ext>
     </p:extLst>
   </p:cSld>
@@ -21175,7 +22778,7 @@
   <p:cSld>
     <p:spTree>
       <p:nvGrpSpPr>
-        <p:cNvPr id="1" name=""/>
+        <p:cNvPr id="1" name="Shape 145"/>
         <p:cNvGrpSpPr/>
         <p:nvPr/>
       </p:nvGrpSpPr>
@@ -21189,215 +22792,14 @@
       </p:grpSpPr>
       <p:sp>
         <p:nvSpPr>
-          <p:cNvPr id="2" name="Title 1"/>
-          <p:cNvSpPr>
-            <a:spLocks noGrp="1"/>
-          </p:cNvSpPr>
-          <p:nvPr>
-            <p:ph type="title"/>
-          </p:nvPr>
-        </p:nvSpPr>
-        <p:spPr/>
-        <p:txBody>
-          <a:bodyPr/>
-          <a:lstStyle/>
-          <a:p>
-            <a:pPr algn="ctr"/>
-            <a:r>
-              <a:rPr lang="en-US" i="1" dirty="0" smtClean="0"/>
-              <a:t>Function Chaining</a:t>
-            </a:r>
-            <a:endParaRPr lang="en-US" i="1" dirty="0"/>
-          </a:p>
-        </p:txBody>
-      </p:sp>
-      <p:sp>
-        <p:nvSpPr>
-          <p:cNvPr id="3" name="Text Placeholder 2"/>
-          <p:cNvSpPr>
-            <a:spLocks noGrp="1"/>
-          </p:cNvSpPr>
-          <p:nvPr>
-            <p:ph type="body" idx="1"/>
-          </p:nvPr>
-        </p:nvSpPr>
-        <p:spPr>
-          <a:xfrm>
-            <a:off x="709036" y="1351764"/>
-            <a:ext cx="7886700" cy="480369"/>
-          </a:xfrm>
-        </p:spPr>
-        <p:txBody>
-          <a:bodyPr/>
-          <a:lstStyle/>
-          <a:p>
-            <a:pPr marL="95250" indent="0">
-              <a:buNone/>
-            </a:pPr>
-            <a:r>
-              <a:rPr lang="en-US" i="1" dirty="0" smtClean="0"/>
-              <a:t>Function Chaining </a:t>
-            </a:r>
-            <a:r>
-              <a:rPr lang="en-US" dirty="0" err="1" smtClean="0"/>
-              <a:t>adalah</a:t>
-            </a:r>
-            <a:r>
-              <a:rPr lang="en-US" dirty="0" smtClean="0"/>
-              <a:t> </a:t>
-            </a:r>
-            <a:r>
-              <a:rPr lang="en-US" dirty="0" err="1" smtClean="0"/>
-              <a:t>mekanisme</a:t>
-            </a:r>
-            <a:r>
-              <a:rPr lang="en-US" dirty="0" smtClean="0"/>
-              <a:t> </a:t>
-            </a:r>
-            <a:r>
-              <a:rPr lang="en-US" dirty="0" err="1" smtClean="0"/>
-              <a:t>untuk</a:t>
-            </a:r>
-            <a:r>
-              <a:rPr lang="en-US" dirty="0" smtClean="0"/>
-              <a:t> </a:t>
-            </a:r>
-            <a:r>
-              <a:rPr lang="en-US" dirty="0" err="1" smtClean="0"/>
-              <a:t>memanggil</a:t>
-            </a:r>
-            <a:r>
-              <a:rPr lang="en-US" dirty="0" smtClean="0"/>
-              <a:t> </a:t>
-            </a:r>
-            <a:r>
-              <a:rPr lang="en-US" dirty="0" err="1" smtClean="0"/>
-              <a:t>beberapa</a:t>
-            </a:r>
-            <a:r>
-              <a:rPr lang="en-US" dirty="0" smtClean="0"/>
-              <a:t> </a:t>
-            </a:r>
-            <a:r>
-              <a:rPr lang="en-US" i="1" dirty="0" smtClean="0"/>
-              <a:t>methods, </a:t>
-            </a:r>
-            <a:r>
-              <a:rPr lang="en-US" dirty="0" err="1" smtClean="0"/>
-              <a:t>setiap</a:t>
-            </a:r>
-            <a:r>
-              <a:rPr lang="en-US" dirty="0" smtClean="0"/>
-              <a:t> </a:t>
-            </a:r>
-            <a:r>
-              <a:rPr lang="en-US" i="1" dirty="0" smtClean="0"/>
-              <a:t>method </a:t>
-            </a:r>
-            <a:r>
-              <a:rPr lang="en-US" dirty="0" err="1" smtClean="0"/>
-              <a:t>mengembalikan</a:t>
-            </a:r>
-            <a:r>
-              <a:rPr lang="en-US" dirty="0" smtClean="0"/>
-              <a:t> </a:t>
-            </a:r>
-            <a:r>
-              <a:rPr lang="en-US" dirty="0" err="1" smtClean="0"/>
-              <a:t>objek</a:t>
-            </a:r>
-            <a:r>
-              <a:rPr lang="en-US" dirty="0"/>
-              <a:t> </a:t>
-            </a:r>
-            <a:r>
-              <a:rPr lang="en-US" dirty="0" err="1" smtClean="0"/>
-              <a:t>dan</a:t>
-            </a:r>
-            <a:r>
-              <a:rPr lang="en-US" dirty="0" smtClean="0"/>
-              <a:t> </a:t>
-            </a:r>
-            <a:r>
-              <a:rPr lang="en-US" dirty="0" err="1" smtClean="0"/>
-              <a:t>memungkinkan</a:t>
-            </a:r>
-            <a:r>
-              <a:rPr lang="en-US" dirty="0" smtClean="0"/>
-              <a:t> </a:t>
-            </a:r>
-            <a:r>
-              <a:rPr lang="en-US" dirty="0" err="1" smtClean="0"/>
-              <a:t>pemanggilan</a:t>
-            </a:r>
-            <a:r>
-              <a:rPr lang="en-US" dirty="0" smtClean="0"/>
-              <a:t> </a:t>
-            </a:r>
-            <a:r>
-              <a:rPr lang="en-US" dirty="0" err="1" smtClean="0"/>
-              <a:t>dirangkai</a:t>
-            </a:r>
-            <a:r>
-              <a:rPr lang="en-US" dirty="0" smtClean="0"/>
-              <a:t> </a:t>
-            </a:r>
-            <a:r>
-              <a:rPr lang="en-US" dirty="0" err="1" smtClean="0"/>
-              <a:t>bersamaan</a:t>
-            </a:r>
-            <a:r>
-              <a:rPr lang="en-US" dirty="0" smtClean="0"/>
-              <a:t> </a:t>
-            </a:r>
-            <a:r>
-              <a:rPr lang="en-US" dirty="0" err="1" smtClean="0"/>
-              <a:t>dengan</a:t>
-            </a:r>
-            <a:r>
-              <a:rPr lang="en-US" dirty="0" smtClean="0"/>
-              <a:t> </a:t>
-            </a:r>
-            <a:endParaRPr lang="en-US" i="1" dirty="0" smtClean="0"/>
-          </a:p>
-        </p:txBody>
-      </p:sp>
-      <p:pic>
-        <p:nvPicPr>
-          <p:cNvPr id="4" name="Picture 3"/>
-          <p:cNvPicPr>
-            <a:picLocks noChangeAspect="1"/>
-          </p:cNvPicPr>
-          <p:nvPr/>
-        </p:nvPicPr>
-        <p:blipFill>
-          <a:blip r:embed="rId2"/>
-          <a:stretch>
-            <a:fillRect/>
-          </a:stretch>
-        </p:blipFill>
-        <p:spPr>
-          <a:xfrm>
-            <a:off x="2682439" y="1832134"/>
-            <a:ext cx="3779122" cy="2680719"/>
-          </a:xfrm>
-          <a:prstGeom prst="rect">
-            <a:avLst/>
-          </a:prstGeom>
-        </p:spPr>
-      </p:pic>
-      <p:sp>
-        <p:nvSpPr>
-          <p:cNvPr id="6" name="Text Placeholder 2"/>
-          <p:cNvSpPr txBox="1">
-            <a:spLocks/>
-          </p:cNvSpPr>
+          <p:cNvPr id="146" name="Google Shape;146;p28"/>
+          <p:cNvSpPr txBox="1"/>
           <p:nvPr/>
         </p:nvSpPr>
         <p:spPr>
           <a:xfrm>
-            <a:off x="709036" y="4512853"/>
-            <a:ext cx="7886700" cy="480369"/>
+            <a:off x="371179" y="2190319"/>
+            <a:ext cx="8702483" cy="438600"/>
           </a:xfrm>
           <a:prstGeom prst="rect">
             <a:avLst/>
@@ -21411,354 +22813,166 @@
           <a:bodyPr spcFirstLastPara="1" wrap="square" lIns="68575" tIns="34275" rIns="68575" bIns="34275" anchor="t" anchorCtr="0">
             <a:noAutofit/>
           </a:bodyPr>
-          <a:lstStyle>
-            <a:defPPr marR="0" lvl="0" algn="l" rtl="0">
-              <a:lnSpc>
-                <a:spcPct val="100000"/>
-              </a:lnSpc>
-              <a:spcBef>
-                <a:spcPts val="0"/>
-              </a:spcBef>
-              <a:spcAft>
-                <a:spcPts val="0"/>
-              </a:spcAft>
-            </a:defPPr>
-            <a:lvl1pPr marL="457200" marR="0" lvl="0" indent="-361950" algn="l" rtl="0">
-              <a:lnSpc>
-                <a:spcPct val="90000"/>
-              </a:lnSpc>
-              <a:spcBef>
-                <a:spcPts val="800"/>
-              </a:spcBef>
-              <a:spcAft>
-                <a:spcPts val="0"/>
-              </a:spcAft>
-              <a:buClr>
-                <a:schemeClr val="bg1"/>
-              </a:buClr>
-              <a:buSzPct val="100000"/>
-              <a:buFont typeface="Arial"/>
-              <a:buChar char="•"/>
-              <a:defRPr sz="1200" b="0" i="0" u="none" strike="noStrike" cap="none">
-                <a:solidFill>
-                  <a:schemeClr val="bg1"/>
-                </a:solidFill>
-                <a:latin typeface="Calibri"/>
-                <a:ea typeface="Calibri"/>
-                <a:cs typeface="Calibri"/>
-                <a:sym typeface="Calibri"/>
-              </a:defRPr>
-            </a:lvl1pPr>
-            <a:lvl2pPr marL="914400" marR="0" lvl="1" indent="-342900" algn="l" rtl="0">
-              <a:lnSpc>
-                <a:spcPct val="90000"/>
-              </a:lnSpc>
-              <a:spcBef>
-                <a:spcPts val="400"/>
-              </a:spcBef>
-              <a:spcAft>
-                <a:spcPts val="0"/>
-              </a:spcAft>
-              <a:buClr>
-                <a:schemeClr val="dk1"/>
-              </a:buClr>
-              <a:buSzPts val="1800"/>
-              <a:buFont typeface="Arial"/>
-              <a:buChar char="•"/>
-              <a:defRPr sz="1800" b="0" i="0" u="none" strike="noStrike" cap="none">
-                <a:solidFill>
-                  <a:schemeClr val="dk1"/>
-                </a:solidFill>
-                <a:latin typeface="Calibri"/>
-                <a:ea typeface="Calibri"/>
-                <a:cs typeface="Calibri"/>
-                <a:sym typeface="Calibri"/>
-              </a:defRPr>
-            </a:lvl2pPr>
-            <a:lvl3pPr marL="1371600" marR="0" lvl="2" indent="-323850" algn="l" rtl="0">
-              <a:lnSpc>
-                <a:spcPct val="90000"/>
-              </a:lnSpc>
-              <a:spcBef>
-                <a:spcPts val="400"/>
-              </a:spcBef>
-              <a:spcAft>
-                <a:spcPts val="0"/>
-              </a:spcAft>
-              <a:buClr>
-                <a:schemeClr val="dk1"/>
-              </a:buClr>
-              <a:buSzPts val="1500"/>
-              <a:buFont typeface="Arial"/>
-              <a:buChar char="•"/>
-              <a:defRPr sz="1500" b="0" i="0" u="none" strike="noStrike" cap="none">
-                <a:solidFill>
-                  <a:schemeClr val="dk1"/>
-                </a:solidFill>
-                <a:latin typeface="Calibri"/>
-                <a:ea typeface="Calibri"/>
-                <a:cs typeface="Calibri"/>
-                <a:sym typeface="Calibri"/>
-              </a:defRPr>
-            </a:lvl3pPr>
-            <a:lvl4pPr marL="1828800" marR="0" lvl="3" indent="-317500" algn="l" rtl="0">
-              <a:lnSpc>
-                <a:spcPct val="90000"/>
-              </a:lnSpc>
-              <a:spcBef>
-                <a:spcPts val="400"/>
-              </a:spcBef>
-              <a:spcAft>
-                <a:spcPts val="0"/>
-              </a:spcAft>
-              <a:buClr>
-                <a:schemeClr val="dk1"/>
-              </a:buClr>
-              <a:buSzPts val="1400"/>
-              <a:buFont typeface="Arial"/>
-              <a:buChar char="•"/>
-              <a:defRPr sz="1400" b="0" i="0" u="none" strike="noStrike" cap="none">
-                <a:solidFill>
-                  <a:schemeClr val="dk1"/>
-                </a:solidFill>
-                <a:latin typeface="Calibri"/>
-                <a:ea typeface="Calibri"/>
-                <a:cs typeface="Calibri"/>
-                <a:sym typeface="Calibri"/>
-              </a:defRPr>
-            </a:lvl4pPr>
-            <a:lvl5pPr marL="2286000" marR="0" lvl="4" indent="-317500" algn="l" rtl="0">
-              <a:lnSpc>
-                <a:spcPct val="90000"/>
-              </a:lnSpc>
-              <a:spcBef>
-                <a:spcPts val="400"/>
-              </a:spcBef>
-              <a:spcAft>
-                <a:spcPts val="0"/>
-              </a:spcAft>
-              <a:buClr>
-                <a:schemeClr val="dk1"/>
-              </a:buClr>
-              <a:buSzPts val="1400"/>
-              <a:buFont typeface="Arial"/>
-              <a:buChar char="•"/>
-              <a:defRPr sz="1400" b="0" i="0" u="none" strike="noStrike" cap="none">
-                <a:solidFill>
-                  <a:schemeClr val="dk1"/>
-                </a:solidFill>
-                <a:latin typeface="Calibri"/>
-                <a:ea typeface="Calibri"/>
-                <a:cs typeface="Calibri"/>
-                <a:sym typeface="Calibri"/>
-              </a:defRPr>
-            </a:lvl5pPr>
-            <a:lvl6pPr marL="2743200" marR="0" lvl="5" indent="-317500" algn="l" rtl="0">
-              <a:lnSpc>
-                <a:spcPct val="90000"/>
-              </a:lnSpc>
-              <a:spcBef>
-                <a:spcPts val="400"/>
-              </a:spcBef>
-              <a:spcAft>
-                <a:spcPts val="0"/>
-              </a:spcAft>
-              <a:buClr>
-                <a:schemeClr val="dk1"/>
-              </a:buClr>
-              <a:buSzPts val="1400"/>
-              <a:buFont typeface="Arial"/>
-              <a:buChar char="•"/>
-              <a:defRPr sz="1400" b="0" i="0" u="none" strike="noStrike" cap="none">
-                <a:solidFill>
-                  <a:schemeClr val="dk1"/>
-                </a:solidFill>
-                <a:latin typeface="Calibri"/>
-                <a:ea typeface="Calibri"/>
-                <a:cs typeface="Calibri"/>
-                <a:sym typeface="Calibri"/>
-              </a:defRPr>
-            </a:lvl6pPr>
-            <a:lvl7pPr marL="3200400" marR="0" lvl="6" indent="-317500" algn="l" rtl="0">
-              <a:lnSpc>
-                <a:spcPct val="90000"/>
-              </a:lnSpc>
-              <a:spcBef>
-                <a:spcPts val="400"/>
-              </a:spcBef>
-              <a:spcAft>
-                <a:spcPts val="0"/>
-              </a:spcAft>
-              <a:buClr>
-                <a:schemeClr val="dk1"/>
-              </a:buClr>
-              <a:buSzPts val="1400"/>
-              <a:buFont typeface="Arial"/>
-              <a:buChar char="•"/>
-              <a:defRPr sz="1400" b="0" i="0" u="none" strike="noStrike" cap="none">
-                <a:solidFill>
-                  <a:schemeClr val="dk1"/>
-                </a:solidFill>
-                <a:latin typeface="Calibri"/>
-                <a:ea typeface="Calibri"/>
-                <a:cs typeface="Calibri"/>
-                <a:sym typeface="Calibri"/>
-              </a:defRPr>
-            </a:lvl7pPr>
-            <a:lvl8pPr marL="3657600" marR="0" lvl="7" indent="-317500" algn="l" rtl="0">
-              <a:lnSpc>
-                <a:spcPct val="90000"/>
-              </a:lnSpc>
-              <a:spcBef>
-                <a:spcPts val="400"/>
-              </a:spcBef>
-              <a:spcAft>
-                <a:spcPts val="0"/>
-              </a:spcAft>
-              <a:buClr>
-                <a:schemeClr val="dk1"/>
-              </a:buClr>
-              <a:buSzPts val="1400"/>
-              <a:buFont typeface="Arial"/>
-              <a:buChar char="•"/>
-              <a:defRPr sz="1400" b="0" i="0" u="none" strike="noStrike" cap="none">
-                <a:solidFill>
-                  <a:schemeClr val="dk1"/>
-                </a:solidFill>
-                <a:latin typeface="Calibri"/>
-                <a:ea typeface="Calibri"/>
-                <a:cs typeface="Calibri"/>
-                <a:sym typeface="Calibri"/>
-              </a:defRPr>
-            </a:lvl8pPr>
-            <a:lvl9pPr marL="4114800" marR="0" lvl="8" indent="-317500" algn="l" rtl="0">
-              <a:lnSpc>
-                <a:spcPct val="90000"/>
-              </a:lnSpc>
-              <a:spcBef>
-                <a:spcPts val="400"/>
-              </a:spcBef>
-              <a:spcAft>
-                <a:spcPts val="0"/>
-              </a:spcAft>
-              <a:buClr>
-                <a:schemeClr val="dk1"/>
-              </a:buClr>
-              <a:buSzPts val="1400"/>
-              <a:buFont typeface="Arial"/>
-              <a:buChar char="•"/>
-              <a:defRPr sz="1400" b="0" i="0" u="none" strike="noStrike" cap="none">
-                <a:solidFill>
-                  <a:schemeClr val="dk1"/>
-                </a:solidFill>
-                <a:latin typeface="Calibri"/>
-                <a:ea typeface="Calibri"/>
-                <a:cs typeface="Calibri"/>
-                <a:sym typeface="Calibri"/>
-              </a:defRPr>
-            </a:lvl9pPr>
-          </a:lstStyle>
+          <a:lstStyle/>
           <a:p>
-            <a:pPr marL="95250" indent="0">
-              <a:buFont typeface="Arial"/>
-              <a:buNone/>
-            </a:pPr>
-            <a:r>
-              <a:rPr lang="en-US" i="1" dirty="0" smtClean="0"/>
-              <a:t>Script </a:t>
-            </a:r>
-            <a:r>
-              <a:rPr lang="en-US" dirty="0" err="1" smtClean="0"/>
-              <a:t>tersebut</a:t>
-            </a:r>
-            <a:r>
-              <a:rPr lang="en-US" dirty="0" smtClean="0"/>
-              <a:t> </a:t>
-            </a:r>
-            <a:r>
-              <a:rPr lang="en-US" dirty="0" err="1" smtClean="0"/>
-              <a:t>menjalankan</a:t>
-            </a:r>
-            <a:r>
-              <a:rPr lang="en-US" dirty="0" smtClean="0"/>
-              <a:t> </a:t>
-            </a:r>
-            <a:r>
-              <a:rPr lang="en-US" dirty="0" err="1" smtClean="0"/>
-              <a:t>perintah</a:t>
-            </a:r>
-            <a:r>
-              <a:rPr lang="en-US" dirty="0" smtClean="0"/>
-              <a:t> </a:t>
-            </a:r>
-            <a:r>
-              <a:rPr lang="en-US" dirty="0" err="1" smtClean="0"/>
-              <a:t>untuk</a:t>
-            </a:r>
-            <a:r>
-              <a:rPr lang="en-US" dirty="0" smtClean="0"/>
-              <a:t> </a:t>
-            </a:r>
-            <a:r>
-              <a:rPr lang="en-US" dirty="0" err="1" smtClean="0"/>
-              <a:t>mencetak</a:t>
-            </a:r>
-            <a:r>
-              <a:rPr lang="en-US" dirty="0" smtClean="0"/>
-              <a:t> total member </a:t>
-            </a:r>
-            <a:r>
-              <a:rPr lang="en-US" dirty="0" err="1" smtClean="0"/>
-              <a:t>aktif</a:t>
-            </a:r>
-            <a:r>
-              <a:rPr lang="en-US" dirty="0" smtClean="0"/>
-              <a:t> </a:t>
-            </a:r>
-            <a:r>
-              <a:rPr lang="en-US" dirty="0" err="1" smtClean="0"/>
-              <a:t>dari</a:t>
-            </a:r>
-            <a:r>
-              <a:rPr lang="en-US" dirty="0" smtClean="0"/>
-              <a:t> </a:t>
-            </a:r>
-            <a:r>
-              <a:rPr lang="en-US" i="1" dirty="0" smtClean="0"/>
-              <a:t>meetups, </a:t>
-            </a:r>
-            <a:r>
-              <a:rPr lang="en-US" dirty="0" err="1" smtClean="0"/>
-              <a:t>kemudian</a:t>
-            </a:r>
-            <a:r>
-              <a:rPr lang="en-US" dirty="0" smtClean="0"/>
-              <a:t> </a:t>
-            </a:r>
-            <a:r>
-              <a:rPr lang="en-US" dirty="0" err="1" smtClean="0"/>
-              <a:t>mengalikannya</a:t>
-            </a:r>
-            <a:r>
-              <a:rPr lang="en-US" dirty="0" smtClean="0"/>
-              <a:t> </a:t>
-            </a:r>
-            <a:r>
-              <a:rPr lang="en-US" dirty="0" err="1" smtClean="0"/>
-              <a:t>dengan</a:t>
-            </a:r>
-            <a:r>
-              <a:rPr lang="en-US" dirty="0" smtClean="0"/>
-              <a:t> 10%.</a:t>
-            </a:r>
-            <a:endParaRPr lang="en-US" i="1" dirty="0" smtClean="0"/>
+            <a:pPr lvl="0"/>
+            <a:r>
+              <a:rPr lang="en-US" sz="2400" i="1" dirty="0">
+                <a:solidFill>
+                  <a:schemeClr val="lt1"/>
+                </a:solidFill>
+              </a:rPr>
+              <a:t>Callback </a:t>
+            </a:r>
+            <a:r>
+              <a:rPr lang="en-US" sz="2400" dirty="0">
+                <a:solidFill>
+                  <a:schemeClr val="lt1"/>
+                </a:solidFill>
+              </a:rPr>
+              <a:t>di JavaScript</a:t>
+            </a:r>
           </a:p>
         </p:txBody>
       </p:sp>
+      <p:cxnSp>
+        <p:nvCxnSpPr>
+          <p:cNvPr id="147" name="Google Shape;147;p28"/>
+          <p:cNvCxnSpPr/>
+          <p:nvPr/>
+        </p:nvCxnSpPr>
+        <p:spPr>
+          <a:xfrm>
+            <a:off x="457200" y="2628900"/>
+            <a:ext cx="8686800" cy="0"/>
+          </a:xfrm>
+          <a:prstGeom prst="straightConnector1">
+            <a:avLst/>
+          </a:prstGeom>
+          <a:noFill/>
+          <a:ln w="9525" cap="flat" cmpd="sng">
+            <a:solidFill>
+              <a:srgbClr val="FFFF00"/>
+            </a:solidFill>
+            <a:prstDash val="solid"/>
+            <a:miter lim="800000"/>
+            <a:headEnd type="none" w="sm" len="sm"/>
+            <a:tailEnd type="none" w="sm" len="sm"/>
+          </a:ln>
+        </p:spPr>
+      </p:cxnSp>
     </p:spTree>
     <p:extLst>
       <p:ext uri="{BB962C8B-B14F-4D97-AF65-F5344CB8AC3E}">
-        <p14:creationId xmlns:p14="http://schemas.microsoft.com/office/powerpoint/2010/main" val="2564375945"/>
+        <p14:creationId xmlns:p14="http://schemas.microsoft.com/office/powerpoint/2010/main" val="4267081127"/>
+      </p:ext>
+    </p:extLst>
+  </p:cSld>
+  <p:clrMapOvr>
+    <a:masterClrMapping/>
+  </p:clrMapOvr>
+  <p:timing>
+    <p:tnLst>
+      <p:par>
+        <p:cTn id="1" dur="indefinite" restart="never" nodeType="tmRoot"/>
+      </p:par>
+    </p:tnLst>
+  </p:timing>
+</p:sld>
+</file>
+
+<file path=ppt/slides/slide9.xml><?xml version="1.0" encoding="utf-8"?>
+<p:sld xmlns:a="http://schemas.openxmlformats.org/drawingml/2006/main" xmlns:r="http://schemas.openxmlformats.org/officeDocument/2006/relationships" xmlns:p="http://schemas.openxmlformats.org/presentationml/2006/main">
+  <p:cSld>
+    <p:spTree>
+      <p:nvGrpSpPr>
+        <p:cNvPr id="1" name="Shape 145"/>
+        <p:cNvGrpSpPr/>
+        <p:nvPr/>
+      </p:nvGrpSpPr>
+      <p:grpSpPr>
+        <a:xfrm>
+          <a:off x="0" y="0"/>
+          <a:ext cx="0" cy="0"/>
+          <a:chOff x="0" y="0"/>
+          <a:chExt cx="0" cy="0"/>
+        </a:xfrm>
+      </p:grpSpPr>
+      <p:sp>
+        <p:nvSpPr>
+          <p:cNvPr id="146" name="Google Shape;146;p28"/>
+          <p:cNvSpPr txBox="1"/>
+          <p:nvPr/>
+        </p:nvSpPr>
+        <p:spPr>
+          <a:xfrm>
+            <a:off x="371179" y="2190319"/>
+            <a:ext cx="8702483" cy="438600"/>
+          </a:xfrm>
+          <a:prstGeom prst="rect">
+            <a:avLst/>
+          </a:prstGeom>
+          <a:noFill/>
+          <a:ln>
+            <a:noFill/>
+          </a:ln>
+        </p:spPr>
+        <p:txBody>
+          <a:bodyPr spcFirstLastPara="1" wrap="square" lIns="68575" tIns="34275" rIns="68575" bIns="34275" anchor="t" anchorCtr="0">
+            <a:noAutofit/>
+          </a:bodyPr>
+          <a:lstStyle/>
+          <a:p>
+            <a:pPr lvl="0"/>
+            <a:r>
+              <a:rPr lang="en-US" sz="2400" i="1" dirty="0" smtClean="0">
+                <a:solidFill>
+                  <a:schemeClr val="lt1"/>
+                </a:solidFill>
+              </a:rPr>
+              <a:t>Promise </a:t>
+            </a:r>
+            <a:r>
+              <a:rPr lang="en-US" sz="2400" dirty="0">
+                <a:solidFill>
+                  <a:schemeClr val="lt1"/>
+                </a:solidFill>
+              </a:rPr>
+              <a:t>di JavaScript</a:t>
+            </a:r>
+          </a:p>
+        </p:txBody>
+      </p:sp>
+      <p:cxnSp>
+        <p:nvCxnSpPr>
+          <p:cNvPr id="147" name="Google Shape;147;p28"/>
+          <p:cNvCxnSpPr/>
+          <p:nvPr/>
+        </p:nvCxnSpPr>
+        <p:spPr>
+          <a:xfrm>
+            <a:off x="457200" y="2628900"/>
+            <a:ext cx="8686800" cy="0"/>
+          </a:xfrm>
+          <a:prstGeom prst="straightConnector1">
+            <a:avLst/>
+          </a:prstGeom>
+          <a:noFill/>
+          <a:ln w="9525" cap="flat" cmpd="sng">
+            <a:solidFill>
+              <a:srgbClr val="FFFF00"/>
+            </a:solidFill>
+            <a:prstDash val="solid"/>
+            <a:miter lim="800000"/>
+            <a:headEnd type="none" w="sm" len="sm"/>
+            <a:tailEnd type="none" w="sm" len="sm"/>
+          </a:ln>
+        </p:spPr>
+      </p:cxnSp>
+    </p:spTree>
+    <p:extLst>
+      <p:ext uri="{BB962C8B-B14F-4D97-AF65-F5344CB8AC3E}">
+        <p14:creationId xmlns:p14="http://schemas.microsoft.com/office/powerpoint/2010/main" val="495363315"/>
       </p:ext>
     </p:extLst>
   </p:cSld>
